--- a/output/2023-10-2/new.pptx
+++ b/output/2023-10-2/new.pptx
@@ -6,9 +6,21 @@
   </p:sldMasterIdLst>
   <p:sldIdLst>
     <p:sldId id="256" r:id="rId2"/>
+    <p:sldId id="257" r:id="rId3"/>
+    <p:sldId id="258" r:id="rId4"/>
+    <p:sldId id="259" r:id="rId5"/>
+    <p:sldId id="260" r:id="rId6"/>
+    <p:sldId id="261" r:id="rId7"/>
+    <p:sldId id="262" r:id="rId8"/>
+    <p:sldId id="263" r:id="rId9"/>
+    <p:sldId id="264" r:id="rId10"/>
+    <p:sldId id="265" r:id="rId11"/>
+    <p:sldId id="266" r:id="rId12"/>
+    <p:sldId id="267" r:id="rId13"/>
+    <p:sldId id="268" r:id="rId14"/>
   </p:sldIdLst>
   <p:notesMasterIdLst>
-    <p:notesMasterId r:id="rId3"/>
+    <p:notesMasterId r:id="rId15"/>
   </p:notesMasterIdLst>
   <p:sldSz cx="9144000" cy="5143500"/>
   <p:notesSz cx="5143500" cy="9144000"/>
@@ -526,6 +538,1062 @@
             <a:fld id="{F7021451-1387-4CA6-816F-3879F97B5CBC}" type="slidenum">
               <a:rPr lang="en-US"/>
               <a:t>1</a:t>
+            </a:fld>
+            <a:endParaRPr lang="en-US"/>
+          </a:p>
+        </p:txBody>
+      </p:sp>
+    </p:spTree>
+    <p:extLst>
+      <p:ext uri="{BB962C8B-B14F-4D97-AF65-F5344CB8AC3E}">
+        <p14:creationId xmlns:p14="http://schemas.microsoft.com/office/powerpoint/2010/main" val="1024086991"/>
+      </p:ext>
+    </p:extLst>
+  </p:cSld>
+  <p:clrMapOvr>
+    <a:masterClrMapping/>
+  </p:clrMapOvr>
+</p:notes>
+</file>
+
+<file path=ppt/notesSlides/notesSlide10.xml><?xml version="1.0" encoding="utf-8"?>
+<p:notes xmlns:a="http://schemas.openxmlformats.org/drawingml/2006/main" xmlns:r="http://schemas.openxmlformats.org/officeDocument/2006/relationships" xmlns:p="http://schemas.openxmlformats.org/presentationml/2006/main">
+  <p:cSld>
+    <p:spTree>
+      <p:nvGrpSpPr>
+        <p:cNvPr id="1" name=""/>
+        <p:cNvGrpSpPr/>
+        <p:nvPr/>
+      </p:nvGrpSpPr>
+      <p:grpSpPr>
+        <a:xfrm>
+          <a:off x="0" y="0"/>
+          <a:ext cx="0" cy="0"/>
+          <a:chOff x="0" y="0"/>
+          <a:chExt cx="0" cy="0"/>
+        </a:xfrm>
+      </p:grpSpPr>
+      <p:sp>
+        <p:nvSpPr>
+          <p:cNvPr id="2" name="Slide Image Placeholder 1"/>
+          <p:cNvSpPr>
+            <a:spLocks noGrp="1" noRot="1" noChangeAspect="1"/>
+          </p:cNvSpPr>
+          <p:nvPr>
+            <p:ph type="sldImg"/>
+          </p:nvPr>
+        </p:nvSpPr>
+        <p:spPr/>
+      </p:sp>
+      <p:sp>
+        <p:nvSpPr>
+          <p:cNvPr id="3" name="Notes Placeholder 2"/>
+          <p:cNvSpPr>
+            <a:spLocks noGrp="1"/>
+          </p:cNvSpPr>
+          <p:nvPr>
+            <p:ph type="body" idx="1"/>
+          </p:nvPr>
+        </p:nvSpPr>
+        <p:spPr/>
+        <p:txBody>
+          <a:bodyPr/>
+          <a:lstStyle/>
+          <a:p>
+            <a:r>
+              <a:rPr lang="en-US" dirty="0"/>
+              <a:t/>
+            </a:r>
+            <a:endParaRPr lang="en-US" dirty="0"/>
+          </a:p>
+        </p:txBody>
+      </p:sp>
+      <p:sp>
+        <p:nvSpPr>
+          <p:cNvPr id="4" name="Slide Number Placeholder 3"/>
+          <p:cNvSpPr>
+            <a:spLocks noGrp="1"/>
+          </p:cNvSpPr>
+          <p:nvPr>
+            <p:ph type="sldNum" sz="quarter" idx="10"/>
+          </p:nvPr>
+        </p:nvSpPr>
+        <p:spPr/>
+        <p:txBody>
+          <a:bodyPr/>
+          <a:lstStyle/>
+          <a:p>
+            <a:fld id="{F7021451-1387-4CA6-816F-3879F97B5CBC}" type="slidenum">
+              <a:rPr lang="en-US"/>
+              <a:t>10</a:t>
+            </a:fld>
+            <a:endParaRPr lang="en-US"/>
+          </a:p>
+        </p:txBody>
+      </p:sp>
+    </p:spTree>
+    <p:extLst>
+      <p:ext uri="{BB962C8B-B14F-4D97-AF65-F5344CB8AC3E}">
+        <p14:creationId xmlns:p14="http://schemas.microsoft.com/office/powerpoint/2010/main" val="1024086991"/>
+      </p:ext>
+    </p:extLst>
+  </p:cSld>
+  <p:clrMapOvr>
+    <a:masterClrMapping/>
+  </p:clrMapOvr>
+</p:notes>
+</file>
+
+<file path=ppt/notesSlides/notesSlide11.xml><?xml version="1.0" encoding="utf-8"?>
+<p:notes xmlns:a="http://schemas.openxmlformats.org/drawingml/2006/main" xmlns:r="http://schemas.openxmlformats.org/officeDocument/2006/relationships" xmlns:p="http://schemas.openxmlformats.org/presentationml/2006/main">
+  <p:cSld>
+    <p:spTree>
+      <p:nvGrpSpPr>
+        <p:cNvPr id="1" name=""/>
+        <p:cNvGrpSpPr/>
+        <p:nvPr/>
+      </p:nvGrpSpPr>
+      <p:grpSpPr>
+        <a:xfrm>
+          <a:off x="0" y="0"/>
+          <a:ext cx="0" cy="0"/>
+          <a:chOff x="0" y="0"/>
+          <a:chExt cx="0" cy="0"/>
+        </a:xfrm>
+      </p:grpSpPr>
+      <p:sp>
+        <p:nvSpPr>
+          <p:cNvPr id="2" name="Slide Image Placeholder 1"/>
+          <p:cNvSpPr>
+            <a:spLocks noGrp="1" noRot="1" noChangeAspect="1"/>
+          </p:cNvSpPr>
+          <p:nvPr>
+            <p:ph type="sldImg"/>
+          </p:nvPr>
+        </p:nvSpPr>
+        <p:spPr/>
+      </p:sp>
+      <p:sp>
+        <p:nvSpPr>
+          <p:cNvPr id="3" name="Notes Placeholder 2"/>
+          <p:cNvSpPr>
+            <a:spLocks noGrp="1"/>
+          </p:cNvSpPr>
+          <p:nvPr>
+            <p:ph type="body" idx="1"/>
+          </p:nvPr>
+        </p:nvSpPr>
+        <p:spPr/>
+        <p:txBody>
+          <a:bodyPr/>
+          <a:lstStyle/>
+          <a:p>
+            <a:r>
+              <a:rPr lang="en-US" dirty="0"/>
+              <a:t/>
+            </a:r>
+            <a:endParaRPr lang="en-US" dirty="0"/>
+          </a:p>
+        </p:txBody>
+      </p:sp>
+      <p:sp>
+        <p:nvSpPr>
+          <p:cNvPr id="4" name="Slide Number Placeholder 3"/>
+          <p:cNvSpPr>
+            <a:spLocks noGrp="1"/>
+          </p:cNvSpPr>
+          <p:nvPr>
+            <p:ph type="sldNum" sz="quarter" idx="10"/>
+          </p:nvPr>
+        </p:nvSpPr>
+        <p:spPr/>
+        <p:txBody>
+          <a:bodyPr/>
+          <a:lstStyle/>
+          <a:p>
+            <a:fld id="{F7021451-1387-4CA6-816F-3879F97B5CBC}" type="slidenum">
+              <a:rPr lang="en-US"/>
+              <a:t>11</a:t>
+            </a:fld>
+            <a:endParaRPr lang="en-US"/>
+          </a:p>
+        </p:txBody>
+      </p:sp>
+    </p:spTree>
+    <p:extLst>
+      <p:ext uri="{BB962C8B-B14F-4D97-AF65-F5344CB8AC3E}">
+        <p14:creationId xmlns:p14="http://schemas.microsoft.com/office/powerpoint/2010/main" val="1024086991"/>
+      </p:ext>
+    </p:extLst>
+  </p:cSld>
+  <p:clrMapOvr>
+    <a:masterClrMapping/>
+  </p:clrMapOvr>
+</p:notes>
+</file>
+
+<file path=ppt/notesSlides/notesSlide12.xml><?xml version="1.0" encoding="utf-8"?>
+<p:notes xmlns:a="http://schemas.openxmlformats.org/drawingml/2006/main" xmlns:r="http://schemas.openxmlformats.org/officeDocument/2006/relationships" xmlns:p="http://schemas.openxmlformats.org/presentationml/2006/main">
+  <p:cSld>
+    <p:spTree>
+      <p:nvGrpSpPr>
+        <p:cNvPr id="1" name=""/>
+        <p:cNvGrpSpPr/>
+        <p:nvPr/>
+      </p:nvGrpSpPr>
+      <p:grpSpPr>
+        <a:xfrm>
+          <a:off x="0" y="0"/>
+          <a:ext cx="0" cy="0"/>
+          <a:chOff x="0" y="0"/>
+          <a:chExt cx="0" cy="0"/>
+        </a:xfrm>
+      </p:grpSpPr>
+      <p:sp>
+        <p:nvSpPr>
+          <p:cNvPr id="2" name="Slide Image Placeholder 1"/>
+          <p:cNvSpPr>
+            <a:spLocks noGrp="1" noRot="1" noChangeAspect="1"/>
+          </p:cNvSpPr>
+          <p:nvPr>
+            <p:ph type="sldImg"/>
+          </p:nvPr>
+        </p:nvSpPr>
+        <p:spPr/>
+      </p:sp>
+      <p:sp>
+        <p:nvSpPr>
+          <p:cNvPr id="3" name="Notes Placeholder 2"/>
+          <p:cNvSpPr>
+            <a:spLocks noGrp="1"/>
+          </p:cNvSpPr>
+          <p:nvPr>
+            <p:ph type="body" idx="1"/>
+          </p:nvPr>
+        </p:nvSpPr>
+        <p:spPr/>
+        <p:txBody>
+          <a:bodyPr/>
+          <a:lstStyle/>
+          <a:p>
+            <a:r>
+              <a:rPr lang="en-US" dirty="0"/>
+              <a:t/>
+            </a:r>
+            <a:endParaRPr lang="en-US" dirty="0"/>
+          </a:p>
+        </p:txBody>
+      </p:sp>
+      <p:sp>
+        <p:nvSpPr>
+          <p:cNvPr id="4" name="Slide Number Placeholder 3"/>
+          <p:cNvSpPr>
+            <a:spLocks noGrp="1"/>
+          </p:cNvSpPr>
+          <p:nvPr>
+            <p:ph type="sldNum" sz="quarter" idx="10"/>
+          </p:nvPr>
+        </p:nvSpPr>
+        <p:spPr/>
+        <p:txBody>
+          <a:bodyPr/>
+          <a:lstStyle/>
+          <a:p>
+            <a:fld id="{F7021451-1387-4CA6-816F-3879F97B5CBC}" type="slidenum">
+              <a:rPr lang="en-US"/>
+              <a:t>12</a:t>
+            </a:fld>
+            <a:endParaRPr lang="en-US"/>
+          </a:p>
+        </p:txBody>
+      </p:sp>
+    </p:spTree>
+    <p:extLst>
+      <p:ext uri="{BB962C8B-B14F-4D97-AF65-F5344CB8AC3E}">
+        <p14:creationId xmlns:p14="http://schemas.microsoft.com/office/powerpoint/2010/main" val="1024086991"/>
+      </p:ext>
+    </p:extLst>
+  </p:cSld>
+  <p:clrMapOvr>
+    <a:masterClrMapping/>
+  </p:clrMapOvr>
+</p:notes>
+</file>
+
+<file path=ppt/notesSlides/notesSlide13.xml><?xml version="1.0" encoding="utf-8"?>
+<p:notes xmlns:a="http://schemas.openxmlformats.org/drawingml/2006/main" xmlns:r="http://schemas.openxmlformats.org/officeDocument/2006/relationships" xmlns:p="http://schemas.openxmlformats.org/presentationml/2006/main">
+  <p:cSld>
+    <p:spTree>
+      <p:nvGrpSpPr>
+        <p:cNvPr id="1" name=""/>
+        <p:cNvGrpSpPr/>
+        <p:nvPr/>
+      </p:nvGrpSpPr>
+      <p:grpSpPr>
+        <a:xfrm>
+          <a:off x="0" y="0"/>
+          <a:ext cx="0" cy="0"/>
+          <a:chOff x="0" y="0"/>
+          <a:chExt cx="0" cy="0"/>
+        </a:xfrm>
+      </p:grpSpPr>
+      <p:sp>
+        <p:nvSpPr>
+          <p:cNvPr id="2" name="Slide Image Placeholder 1"/>
+          <p:cNvSpPr>
+            <a:spLocks noGrp="1" noRot="1" noChangeAspect="1"/>
+          </p:cNvSpPr>
+          <p:nvPr>
+            <p:ph type="sldImg"/>
+          </p:nvPr>
+        </p:nvSpPr>
+        <p:spPr/>
+      </p:sp>
+      <p:sp>
+        <p:nvSpPr>
+          <p:cNvPr id="3" name="Notes Placeholder 2"/>
+          <p:cNvSpPr>
+            <a:spLocks noGrp="1"/>
+          </p:cNvSpPr>
+          <p:nvPr>
+            <p:ph type="body" idx="1"/>
+          </p:nvPr>
+        </p:nvSpPr>
+        <p:spPr/>
+        <p:txBody>
+          <a:bodyPr/>
+          <a:lstStyle/>
+          <a:p>
+            <a:r>
+              <a:rPr lang="en-US" dirty="0"/>
+              <a:t/>
+            </a:r>
+            <a:endParaRPr lang="en-US" dirty="0"/>
+          </a:p>
+        </p:txBody>
+      </p:sp>
+      <p:sp>
+        <p:nvSpPr>
+          <p:cNvPr id="4" name="Slide Number Placeholder 3"/>
+          <p:cNvSpPr>
+            <a:spLocks noGrp="1"/>
+          </p:cNvSpPr>
+          <p:nvPr>
+            <p:ph type="sldNum" sz="quarter" idx="10"/>
+          </p:nvPr>
+        </p:nvSpPr>
+        <p:spPr/>
+        <p:txBody>
+          <a:bodyPr/>
+          <a:lstStyle/>
+          <a:p>
+            <a:fld id="{F7021451-1387-4CA6-816F-3879F97B5CBC}" type="slidenum">
+              <a:rPr lang="en-US"/>
+              <a:t>13</a:t>
+            </a:fld>
+            <a:endParaRPr lang="en-US"/>
+          </a:p>
+        </p:txBody>
+      </p:sp>
+    </p:spTree>
+    <p:extLst>
+      <p:ext uri="{BB962C8B-B14F-4D97-AF65-F5344CB8AC3E}">
+        <p14:creationId xmlns:p14="http://schemas.microsoft.com/office/powerpoint/2010/main" val="1024086991"/>
+      </p:ext>
+    </p:extLst>
+  </p:cSld>
+  <p:clrMapOvr>
+    <a:masterClrMapping/>
+  </p:clrMapOvr>
+</p:notes>
+</file>
+
+<file path=ppt/notesSlides/notesSlide2.xml><?xml version="1.0" encoding="utf-8"?>
+<p:notes xmlns:a="http://schemas.openxmlformats.org/drawingml/2006/main" xmlns:r="http://schemas.openxmlformats.org/officeDocument/2006/relationships" xmlns:p="http://schemas.openxmlformats.org/presentationml/2006/main">
+  <p:cSld>
+    <p:spTree>
+      <p:nvGrpSpPr>
+        <p:cNvPr id="1" name=""/>
+        <p:cNvGrpSpPr/>
+        <p:nvPr/>
+      </p:nvGrpSpPr>
+      <p:grpSpPr>
+        <a:xfrm>
+          <a:off x="0" y="0"/>
+          <a:ext cx="0" cy="0"/>
+          <a:chOff x="0" y="0"/>
+          <a:chExt cx="0" cy="0"/>
+        </a:xfrm>
+      </p:grpSpPr>
+      <p:sp>
+        <p:nvSpPr>
+          <p:cNvPr id="2" name="Slide Image Placeholder 1"/>
+          <p:cNvSpPr>
+            <a:spLocks noGrp="1" noRot="1" noChangeAspect="1"/>
+          </p:cNvSpPr>
+          <p:nvPr>
+            <p:ph type="sldImg"/>
+          </p:nvPr>
+        </p:nvSpPr>
+        <p:spPr/>
+      </p:sp>
+      <p:sp>
+        <p:nvSpPr>
+          <p:cNvPr id="3" name="Notes Placeholder 2"/>
+          <p:cNvSpPr>
+            <a:spLocks noGrp="1"/>
+          </p:cNvSpPr>
+          <p:nvPr>
+            <p:ph type="body" idx="1"/>
+          </p:nvPr>
+        </p:nvSpPr>
+        <p:spPr/>
+        <p:txBody>
+          <a:bodyPr/>
+          <a:lstStyle/>
+          <a:p>
+            <a:r>
+              <a:rPr lang="en-US" dirty="0"/>
+              <a:t/>
+            </a:r>
+            <a:endParaRPr lang="en-US" dirty="0"/>
+          </a:p>
+        </p:txBody>
+      </p:sp>
+      <p:sp>
+        <p:nvSpPr>
+          <p:cNvPr id="4" name="Slide Number Placeholder 3"/>
+          <p:cNvSpPr>
+            <a:spLocks noGrp="1"/>
+          </p:cNvSpPr>
+          <p:nvPr>
+            <p:ph type="sldNum" sz="quarter" idx="10"/>
+          </p:nvPr>
+        </p:nvSpPr>
+        <p:spPr/>
+        <p:txBody>
+          <a:bodyPr/>
+          <a:lstStyle/>
+          <a:p>
+            <a:fld id="{F7021451-1387-4CA6-816F-3879F97B5CBC}" type="slidenum">
+              <a:rPr lang="en-US"/>
+              <a:t>2</a:t>
+            </a:fld>
+            <a:endParaRPr lang="en-US"/>
+          </a:p>
+        </p:txBody>
+      </p:sp>
+    </p:spTree>
+    <p:extLst>
+      <p:ext uri="{BB962C8B-B14F-4D97-AF65-F5344CB8AC3E}">
+        <p14:creationId xmlns:p14="http://schemas.microsoft.com/office/powerpoint/2010/main" val="1024086991"/>
+      </p:ext>
+    </p:extLst>
+  </p:cSld>
+  <p:clrMapOvr>
+    <a:masterClrMapping/>
+  </p:clrMapOvr>
+</p:notes>
+</file>
+
+<file path=ppt/notesSlides/notesSlide3.xml><?xml version="1.0" encoding="utf-8"?>
+<p:notes xmlns:a="http://schemas.openxmlformats.org/drawingml/2006/main" xmlns:r="http://schemas.openxmlformats.org/officeDocument/2006/relationships" xmlns:p="http://schemas.openxmlformats.org/presentationml/2006/main">
+  <p:cSld>
+    <p:spTree>
+      <p:nvGrpSpPr>
+        <p:cNvPr id="1" name=""/>
+        <p:cNvGrpSpPr/>
+        <p:nvPr/>
+      </p:nvGrpSpPr>
+      <p:grpSpPr>
+        <a:xfrm>
+          <a:off x="0" y="0"/>
+          <a:ext cx="0" cy="0"/>
+          <a:chOff x="0" y="0"/>
+          <a:chExt cx="0" cy="0"/>
+        </a:xfrm>
+      </p:grpSpPr>
+      <p:sp>
+        <p:nvSpPr>
+          <p:cNvPr id="2" name="Slide Image Placeholder 1"/>
+          <p:cNvSpPr>
+            <a:spLocks noGrp="1" noRot="1" noChangeAspect="1"/>
+          </p:cNvSpPr>
+          <p:nvPr>
+            <p:ph type="sldImg"/>
+          </p:nvPr>
+        </p:nvSpPr>
+        <p:spPr/>
+      </p:sp>
+      <p:sp>
+        <p:nvSpPr>
+          <p:cNvPr id="3" name="Notes Placeholder 2"/>
+          <p:cNvSpPr>
+            <a:spLocks noGrp="1"/>
+          </p:cNvSpPr>
+          <p:nvPr>
+            <p:ph type="body" idx="1"/>
+          </p:nvPr>
+        </p:nvSpPr>
+        <p:spPr/>
+        <p:txBody>
+          <a:bodyPr/>
+          <a:lstStyle/>
+          <a:p>
+            <a:r>
+              <a:rPr lang="en-US" dirty="0"/>
+              <a:t/>
+            </a:r>
+            <a:endParaRPr lang="en-US" dirty="0"/>
+          </a:p>
+        </p:txBody>
+      </p:sp>
+      <p:sp>
+        <p:nvSpPr>
+          <p:cNvPr id="4" name="Slide Number Placeholder 3"/>
+          <p:cNvSpPr>
+            <a:spLocks noGrp="1"/>
+          </p:cNvSpPr>
+          <p:nvPr>
+            <p:ph type="sldNum" sz="quarter" idx="10"/>
+          </p:nvPr>
+        </p:nvSpPr>
+        <p:spPr/>
+        <p:txBody>
+          <a:bodyPr/>
+          <a:lstStyle/>
+          <a:p>
+            <a:fld id="{F7021451-1387-4CA6-816F-3879F97B5CBC}" type="slidenum">
+              <a:rPr lang="en-US"/>
+              <a:t>3</a:t>
+            </a:fld>
+            <a:endParaRPr lang="en-US"/>
+          </a:p>
+        </p:txBody>
+      </p:sp>
+    </p:spTree>
+    <p:extLst>
+      <p:ext uri="{BB962C8B-B14F-4D97-AF65-F5344CB8AC3E}">
+        <p14:creationId xmlns:p14="http://schemas.microsoft.com/office/powerpoint/2010/main" val="1024086991"/>
+      </p:ext>
+    </p:extLst>
+  </p:cSld>
+  <p:clrMapOvr>
+    <a:masterClrMapping/>
+  </p:clrMapOvr>
+</p:notes>
+</file>
+
+<file path=ppt/notesSlides/notesSlide4.xml><?xml version="1.0" encoding="utf-8"?>
+<p:notes xmlns:a="http://schemas.openxmlformats.org/drawingml/2006/main" xmlns:r="http://schemas.openxmlformats.org/officeDocument/2006/relationships" xmlns:p="http://schemas.openxmlformats.org/presentationml/2006/main">
+  <p:cSld>
+    <p:spTree>
+      <p:nvGrpSpPr>
+        <p:cNvPr id="1" name=""/>
+        <p:cNvGrpSpPr/>
+        <p:nvPr/>
+      </p:nvGrpSpPr>
+      <p:grpSpPr>
+        <a:xfrm>
+          <a:off x="0" y="0"/>
+          <a:ext cx="0" cy="0"/>
+          <a:chOff x="0" y="0"/>
+          <a:chExt cx="0" cy="0"/>
+        </a:xfrm>
+      </p:grpSpPr>
+      <p:sp>
+        <p:nvSpPr>
+          <p:cNvPr id="2" name="Slide Image Placeholder 1"/>
+          <p:cNvSpPr>
+            <a:spLocks noGrp="1" noRot="1" noChangeAspect="1"/>
+          </p:cNvSpPr>
+          <p:nvPr>
+            <p:ph type="sldImg"/>
+          </p:nvPr>
+        </p:nvSpPr>
+        <p:spPr/>
+      </p:sp>
+      <p:sp>
+        <p:nvSpPr>
+          <p:cNvPr id="3" name="Notes Placeholder 2"/>
+          <p:cNvSpPr>
+            <a:spLocks noGrp="1"/>
+          </p:cNvSpPr>
+          <p:nvPr>
+            <p:ph type="body" idx="1"/>
+          </p:nvPr>
+        </p:nvSpPr>
+        <p:spPr/>
+        <p:txBody>
+          <a:bodyPr/>
+          <a:lstStyle/>
+          <a:p>
+            <a:r>
+              <a:rPr lang="en-US" dirty="0"/>
+              <a:t/>
+            </a:r>
+            <a:endParaRPr lang="en-US" dirty="0"/>
+          </a:p>
+        </p:txBody>
+      </p:sp>
+      <p:sp>
+        <p:nvSpPr>
+          <p:cNvPr id="4" name="Slide Number Placeholder 3"/>
+          <p:cNvSpPr>
+            <a:spLocks noGrp="1"/>
+          </p:cNvSpPr>
+          <p:nvPr>
+            <p:ph type="sldNum" sz="quarter" idx="10"/>
+          </p:nvPr>
+        </p:nvSpPr>
+        <p:spPr/>
+        <p:txBody>
+          <a:bodyPr/>
+          <a:lstStyle/>
+          <a:p>
+            <a:fld id="{F7021451-1387-4CA6-816F-3879F97B5CBC}" type="slidenum">
+              <a:rPr lang="en-US"/>
+              <a:t>4</a:t>
+            </a:fld>
+            <a:endParaRPr lang="en-US"/>
+          </a:p>
+        </p:txBody>
+      </p:sp>
+    </p:spTree>
+    <p:extLst>
+      <p:ext uri="{BB962C8B-B14F-4D97-AF65-F5344CB8AC3E}">
+        <p14:creationId xmlns:p14="http://schemas.microsoft.com/office/powerpoint/2010/main" val="1024086991"/>
+      </p:ext>
+    </p:extLst>
+  </p:cSld>
+  <p:clrMapOvr>
+    <a:masterClrMapping/>
+  </p:clrMapOvr>
+</p:notes>
+</file>
+
+<file path=ppt/notesSlides/notesSlide5.xml><?xml version="1.0" encoding="utf-8"?>
+<p:notes xmlns:a="http://schemas.openxmlformats.org/drawingml/2006/main" xmlns:r="http://schemas.openxmlformats.org/officeDocument/2006/relationships" xmlns:p="http://schemas.openxmlformats.org/presentationml/2006/main">
+  <p:cSld>
+    <p:spTree>
+      <p:nvGrpSpPr>
+        <p:cNvPr id="1" name=""/>
+        <p:cNvGrpSpPr/>
+        <p:nvPr/>
+      </p:nvGrpSpPr>
+      <p:grpSpPr>
+        <a:xfrm>
+          <a:off x="0" y="0"/>
+          <a:ext cx="0" cy="0"/>
+          <a:chOff x="0" y="0"/>
+          <a:chExt cx="0" cy="0"/>
+        </a:xfrm>
+      </p:grpSpPr>
+      <p:sp>
+        <p:nvSpPr>
+          <p:cNvPr id="2" name="Slide Image Placeholder 1"/>
+          <p:cNvSpPr>
+            <a:spLocks noGrp="1" noRot="1" noChangeAspect="1"/>
+          </p:cNvSpPr>
+          <p:nvPr>
+            <p:ph type="sldImg"/>
+          </p:nvPr>
+        </p:nvSpPr>
+        <p:spPr/>
+      </p:sp>
+      <p:sp>
+        <p:nvSpPr>
+          <p:cNvPr id="3" name="Notes Placeholder 2"/>
+          <p:cNvSpPr>
+            <a:spLocks noGrp="1"/>
+          </p:cNvSpPr>
+          <p:nvPr>
+            <p:ph type="body" idx="1"/>
+          </p:nvPr>
+        </p:nvSpPr>
+        <p:spPr/>
+        <p:txBody>
+          <a:bodyPr/>
+          <a:lstStyle/>
+          <a:p>
+            <a:r>
+              <a:rPr lang="en-US" dirty="0"/>
+              <a:t/>
+            </a:r>
+            <a:endParaRPr lang="en-US" dirty="0"/>
+          </a:p>
+        </p:txBody>
+      </p:sp>
+      <p:sp>
+        <p:nvSpPr>
+          <p:cNvPr id="4" name="Slide Number Placeholder 3"/>
+          <p:cNvSpPr>
+            <a:spLocks noGrp="1"/>
+          </p:cNvSpPr>
+          <p:nvPr>
+            <p:ph type="sldNum" sz="quarter" idx="10"/>
+          </p:nvPr>
+        </p:nvSpPr>
+        <p:spPr/>
+        <p:txBody>
+          <a:bodyPr/>
+          <a:lstStyle/>
+          <a:p>
+            <a:fld id="{F7021451-1387-4CA6-816F-3879F97B5CBC}" type="slidenum">
+              <a:rPr lang="en-US"/>
+              <a:t>5</a:t>
+            </a:fld>
+            <a:endParaRPr lang="en-US"/>
+          </a:p>
+        </p:txBody>
+      </p:sp>
+    </p:spTree>
+    <p:extLst>
+      <p:ext uri="{BB962C8B-B14F-4D97-AF65-F5344CB8AC3E}">
+        <p14:creationId xmlns:p14="http://schemas.microsoft.com/office/powerpoint/2010/main" val="1024086991"/>
+      </p:ext>
+    </p:extLst>
+  </p:cSld>
+  <p:clrMapOvr>
+    <a:masterClrMapping/>
+  </p:clrMapOvr>
+</p:notes>
+</file>
+
+<file path=ppt/notesSlides/notesSlide6.xml><?xml version="1.0" encoding="utf-8"?>
+<p:notes xmlns:a="http://schemas.openxmlformats.org/drawingml/2006/main" xmlns:r="http://schemas.openxmlformats.org/officeDocument/2006/relationships" xmlns:p="http://schemas.openxmlformats.org/presentationml/2006/main">
+  <p:cSld>
+    <p:spTree>
+      <p:nvGrpSpPr>
+        <p:cNvPr id="1" name=""/>
+        <p:cNvGrpSpPr/>
+        <p:nvPr/>
+      </p:nvGrpSpPr>
+      <p:grpSpPr>
+        <a:xfrm>
+          <a:off x="0" y="0"/>
+          <a:ext cx="0" cy="0"/>
+          <a:chOff x="0" y="0"/>
+          <a:chExt cx="0" cy="0"/>
+        </a:xfrm>
+      </p:grpSpPr>
+      <p:sp>
+        <p:nvSpPr>
+          <p:cNvPr id="2" name="Slide Image Placeholder 1"/>
+          <p:cNvSpPr>
+            <a:spLocks noGrp="1" noRot="1" noChangeAspect="1"/>
+          </p:cNvSpPr>
+          <p:nvPr>
+            <p:ph type="sldImg"/>
+          </p:nvPr>
+        </p:nvSpPr>
+        <p:spPr/>
+      </p:sp>
+      <p:sp>
+        <p:nvSpPr>
+          <p:cNvPr id="3" name="Notes Placeholder 2"/>
+          <p:cNvSpPr>
+            <a:spLocks noGrp="1"/>
+          </p:cNvSpPr>
+          <p:nvPr>
+            <p:ph type="body" idx="1"/>
+          </p:nvPr>
+        </p:nvSpPr>
+        <p:spPr/>
+        <p:txBody>
+          <a:bodyPr/>
+          <a:lstStyle/>
+          <a:p>
+            <a:r>
+              <a:rPr lang="en-US" dirty="0"/>
+              <a:t/>
+            </a:r>
+            <a:endParaRPr lang="en-US" dirty="0"/>
+          </a:p>
+        </p:txBody>
+      </p:sp>
+      <p:sp>
+        <p:nvSpPr>
+          <p:cNvPr id="4" name="Slide Number Placeholder 3"/>
+          <p:cNvSpPr>
+            <a:spLocks noGrp="1"/>
+          </p:cNvSpPr>
+          <p:nvPr>
+            <p:ph type="sldNum" sz="quarter" idx="10"/>
+          </p:nvPr>
+        </p:nvSpPr>
+        <p:spPr/>
+        <p:txBody>
+          <a:bodyPr/>
+          <a:lstStyle/>
+          <a:p>
+            <a:fld id="{F7021451-1387-4CA6-816F-3879F97B5CBC}" type="slidenum">
+              <a:rPr lang="en-US"/>
+              <a:t>6</a:t>
+            </a:fld>
+            <a:endParaRPr lang="en-US"/>
+          </a:p>
+        </p:txBody>
+      </p:sp>
+    </p:spTree>
+    <p:extLst>
+      <p:ext uri="{BB962C8B-B14F-4D97-AF65-F5344CB8AC3E}">
+        <p14:creationId xmlns:p14="http://schemas.microsoft.com/office/powerpoint/2010/main" val="1024086991"/>
+      </p:ext>
+    </p:extLst>
+  </p:cSld>
+  <p:clrMapOvr>
+    <a:masterClrMapping/>
+  </p:clrMapOvr>
+</p:notes>
+</file>
+
+<file path=ppt/notesSlides/notesSlide7.xml><?xml version="1.0" encoding="utf-8"?>
+<p:notes xmlns:a="http://schemas.openxmlformats.org/drawingml/2006/main" xmlns:r="http://schemas.openxmlformats.org/officeDocument/2006/relationships" xmlns:p="http://schemas.openxmlformats.org/presentationml/2006/main">
+  <p:cSld>
+    <p:spTree>
+      <p:nvGrpSpPr>
+        <p:cNvPr id="1" name=""/>
+        <p:cNvGrpSpPr/>
+        <p:nvPr/>
+      </p:nvGrpSpPr>
+      <p:grpSpPr>
+        <a:xfrm>
+          <a:off x="0" y="0"/>
+          <a:ext cx="0" cy="0"/>
+          <a:chOff x="0" y="0"/>
+          <a:chExt cx="0" cy="0"/>
+        </a:xfrm>
+      </p:grpSpPr>
+      <p:sp>
+        <p:nvSpPr>
+          <p:cNvPr id="2" name="Slide Image Placeholder 1"/>
+          <p:cNvSpPr>
+            <a:spLocks noGrp="1" noRot="1" noChangeAspect="1"/>
+          </p:cNvSpPr>
+          <p:nvPr>
+            <p:ph type="sldImg"/>
+          </p:nvPr>
+        </p:nvSpPr>
+        <p:spPr/>
+      </p:sp>
+      <p:sp>
+        <p:nvSpPr>
+          <p:cNvPr id="3" name="Notes Placeholder 2"/>
+          <p:cNvSpPr>
+            <a:spLocks noGrp="1"/>
+          </p:cNvSpPr>
+          <p:nvPr>
+            <p:ph type="body" idx="1"/>
+          </p:nvPr>
+        </p:nvSpPr>
+        <p:spPr/>
+        <p:txBody>
+          <a:bodyPr/>
+          <a:lstStyle/>
+          <a:p>
+            <a:r>
+              <a:rPr lang="en-US" dirty="0"/>
+              <a:t/>
+            </a:r>
+            <a:endParaRPr lang="en-US" dirty="0"/>
+          </a:p>
+        </p:txBody>
+      </p:sp>
+      <p:sp>
+        <p:nvSpPr>
+          <p:cNvPr id="4" name="Slide Number Placeholder 3"/>
+          <p:cNvSpPr>
+            <a:spLocks noGrp="1"/>
+          </p:cNvSpPr>
+          <p:nvPr>
+            <p:ph type="sldNum" sz="quarter" idx="10"/>
+          </p:nvPr>
+        </p:nvSpPr>
+        <p:spPr/>
+        <p:txBody>
+          <a:bodyPr/>
+          <a:lstStyle/>
+          <a:p>
+            <a:fld id="{F7021451-1387-4CA6-816F-3879F97B5CBC}" type="slidenum">
+              <a:rPr lang="en-US"/>
+              <a:t>7</a:t>
+            </a:fld>
+            <a:endParaRPr lang="en-US"/>
+          </a:p>
+        </p:txBody>
+      </p:sp>
+    </p:spTree>
+    <p:extLst>
+      <p:ext uri="{BB962C8B-B14F-4D97-AF65-F5344CB8AC3E}">
+        <p14:creationId xmlns:p14="http://schemas.microsoft.com/office/powerpoint/2010/main" val="1024086991"/>
+      </p:ext>
+    </p:extLst>
+  </p:cSld>
+  <p:clrMapOvr>
+    <a:masterClrMapping/>
+  </p:clrMapOvr>
+</p:notes>
+</file>
+
+<file path=ppt/notesSlides/notesSlide8.xml><?xml version="1.0" encoding="utf-8"?>
+<p:notes xmlns:a="http://schemas.openxmlformats.org/drawingml/2006/main" xmlns:r="http://schemas.openxmlformats.org/officeDocument/2006/relationships" xmlns:p="http://schemas.openxmlformats.org/presentationml/2006/main">
+  <p:cSld>
+    <p:spTree>
+      <p:nvGrpSpPr>
+        <p:cNvPr id="1" name=""/>
+        <p:cNvGrpSpPr/>
+        <p:nvPr/>
+      </p:nvGrpSpPr>
+      <p:grpSpPr>
+        <a:xfrm>
+          <a:off x="0" y="0"/>
+          <a:ext cx="0" cy="0"/>
+          <a:chOff x="0" y="0"/>
+          <a:chExt cx="0" cy="0"/>
+        </a:xfrm>
+      </p:grpSpPr>
+      <p:sp>
+        <p:nvSpPr>
+          <p:cNvPr id="2" name="Slide Image Placeholder 1"/>
+          <p:cNvSpPr>
+            <a:spLocks noGrp="1" noRot="1" noChangeAspect="1"/>
+          </p:cNvSpPr>
+          <p:nvPr>
+            <p:ph type="sldImg"/>
+          </p:nvPr>
+        </p:nvSpPr>
+        <p:spPr/>
+      </p:sp>
+      <p:sp>
+        <p:nvSpPr>
+          <p:cNvPr id="3" name="Notes Placeholder 2"/>
+          <p:cNvSpPr>
+            <a:spLocks noGrp="1"/>
+          </p:cNvSpPr>
+          <p:nvPr>
+            <p:ph type="body" idx="1"/>
+          </p:nvPr>
+        </p:nvSpPr>
+        <p:spPr/>
+        <p:txBody>
+          <a:bodyPr/>
+          <a:lstStyle/>
+          <a:p>
+            <a:r>
+              <a:rPr lang="en-US" dirty="0"/>
+              <a:t/>
+            </a:r>
+            <a:endParaRPr lang="en-US" dirty="0"/>
+          </a:p>
+        </p:txBody>
+      </p:sp>
+      <p:sp>
+        <p:nvSpPr>
+          <p:cNvPr id="4" name="Slide Number Placeholder 3"/>
+          <p:cNvSpPr>
+            <a:spLocks noGrp="1"/>
+          </p:cNvSpPr>
+          <p:nvPr>
+            <p:ph type="sldNum" sz="quarter" idx="10"/>
+          </p:nvPr>
+        </p:nvSpPr>
+        <p:spPr/>
+        <p:txBody>
+          <a:bodyPr/>
+          <a:lstStyle/>
+          <a:p>
+            <a:fld id="{F7021451-1387-4CA6-816F-3879F97B5CBC}" type="slidenum">
+              <a:rPr lang="en-US"/>
+              <a:t>8</a:t>
+            </a:fld>
+            <a:endParaRPr lang="en-US"/>
+          </a:p>
+        </p:txBody>
+      </p:sp>
+    </p:spTree>
+    <p:extLst>
+      <p:ext uri="{BB962C8B-B14F-4D97-AF65-F5344CB8AC3E}">
+        <p14:creationId xmlns:p14="http://schemas.microsoft.com/office/powerpoint/2010/main" val="1024086991"/>
+      </p:ext>
+    </p:extLst>
+  </p:cSld>
+  <p:clrMapOvr>
+    <a:masterClrMapping/>
+  </p:clrMapOvr>
+</p:notes>
+</file>
+
+<file path=ppt/notesSlides/notesSlide9.xml><?xml version="1.0" encoding="utf-8"?>
+<p:notes xmlns:a="http://schemas.openxmlformats.org/drawingml/2006/main" xmlns:r="http://schemas.openxmlformats.org/officeDocument/2006/relationships" xmlns:p="http://schemas.openxmlformats.org/presentationml/2006/main">
+  <p:cSld>
+    <p:spTree>
+      <p:nvGrpSpPr>
+        <p:cNvPr id="1" name=""/>
+        <p:cNvGrpSpPr/>
+        <p:nvPr/>
+      </p:nvGrpSpPr>
+      <p:grpSpPr>
+        <a:xfrm>
+          <a:off x="0" y="0"/>
+          <a:ext cx="0" cy="0"/>
+          <a:chOff x="0" y="0"/>
+          <a:chExt cx="0" cy="0"/>
+        </a:xfrm>
+      </p:grpSpPr>
+      <p:sp>
+        <p:nvSpPr>
+          <p:cNvPr id="2" name="Slide Image Placeholder 1"/>
+          <p:cNvSpPr>
+            <a:spLocks noGrp="1" noRot="1" noChangeAspect="1"/>
+          </p:cNvSpPr>
+          <p:nvPr>
+            <p:ph type="sldImg"/>
+          </p:nvPr>
+        </p:nvSpPr>
+        <p:spPr/>
+      </p:sp>
+      <p:sp>
+        <p:nvSpPr>
+          <p:cNvPr id="3" name="Notes Placeholder 2"/>
+          <p:cNvSpPr>
+            <a:spLocks noGrp="1"/>
+          </p:cNvSpPr>
+          <p:nvPr>
+            <p:ph type="body" idx="1"/>
+          </p:nvPr>
+        </p:nvSpPr>
+        <p:spPr/>
+        <p:txBody>
+          <a:bodyPr/>
+          <a:lstStyle/>
+          <a:p>
+            <a:r>
+              <a:rPr lang="en-US" dirty="0"/>
+              <a:t/>
+            </a:r>
+            <a:endParaRPr lang="en-US" dirty="0"/>
+          </a:p>
+        </p:txBody>
+      </p:sp>
+      <p:sp>
+        <p:nvSpPr>
+          <p:cNvPr id="4" name="Slide Number Placeholder 3"/>
+          <p:cNvSpPr>
+            <a:spLocks noGrp="1"/>
+          </p:cNvSpPr>
+          <p:nvPr>
+            <p:ph type="sldNum" sz="quarter" idx="10"/>
+          </p:nvPr>
+        </p:nvSpPr>
+        <p:spPr/>
+        <p:txBody>
+          <a:bodyPr/>
+          <a:lstStyle/>
+          <a:p>
+            <a:fld id="{F7021451-1387-4CA6-816F-3879F97B5CBC}" type="slidenum">
+              <a:rPr lang="en-US"/>
+              <a:t>9</a:t>
             </a:fld>
             <a:endParaRPr lang="en-US"/>
           </a:p>
@@ -948,7 +2016,1771 @@
                   <a:srgbClr val="000000"/>
                 </a:solidFill>
               </a:rPr>
-              <a:t>abundant, plentiful, rich, ample | rich, wealthy, affluent, well...</a:t>
+              <a:t>abundant, plentiful, rich, ample | rich, wealthy, affluent, well-off | open (mind), relaxed, easy | plump (e.g. breasts),...</a:t>
+            </a:r>
+            <a:endParaRPr lang="en-US" sz="3600" dirty="0"/>
+          </a:p>
+        </p:txBody>
+      </p:sp>
+      <p:sp>
+        <p:nvSpPr>
+          <p:cNvPr id="4" name="Text 2"/>
+          <p:cNvSpPr/>
+          <p:nvPr/>
+        </p:nvSpPr>
+        <p:spPr>
+          <a:xfrm>
+            <a:off x="0" y="4572000"/>
+            <a:ext cx="7315200" cy="1828800"/>
+          </a:xfrm>
+          <a:prstGeom prst="rect">
+            <a:avLst/>
+          </a:prstGeom>
+          <a:noFill/>
+          <a:ln/>
+        </p:spPr>
+        <p:txBody>
+          <a:bodyPr wrap="square" rtlCol="0" anchor="ctr"/>
+          <a:lstStyle/>
+          <a:p>
+            <a:pPr algn="l" indent="0" marL="0">
+              <a:buNone/>
+            </a:pPr>
+            <a:r>
+              <a:rPr lang="en-US" sz="2400" dirty="0">
+                <a:solidFill>
+                  <a:srgbClr val="000000"/>
+                </a:solidFill>
+              </a:rPr>
+              <a:t>63-64</a:t>
+            </a:r>
+            <a:endParaRPr lang="en-US" sz="2400" dirty="0"/>
+          </a:p>
+        </p:txBody>
+      </p:sp>
+    </p:spTree>
+  </p:cSld>
+  <p:clrMapOvr>
+    <a:masterClrMapping/>
+  </p:clrMapOvr>
+</p:sld>
+</file>
+
+<file path=ppt/slides/slide10.xml><?xml version="1.0" encoding="utf-8"?>
+<p:sld xmlns:a="http://schemas.openxmlformats.org/drawingml/2006/main" xmlns:r="http://schemas.openxmlformats.org/officeDocument/2006/relationships" xmlns:p="http://schemas.openxmlformats.org/presentationml/2006/main">
+  <p:cSld name="Slide 10">
+    <p:spTree>
+      <p:nvGrpSpPr>
+        <p:cNvPr id="1" name=""/>
+        <p:cNvGrpSpPr/>
+        <p:nvPr/>
+      </p:nvGrpSpPr>
+      <p:grpSpPr>
+        <a:xfrm>
+          <a:off x="0" y="0"/>
+          <a:ext cx="0" cy="0"/>
+          <a:chOff x="0" y="0"/>
+          <a:chExt cx="0" cy="0"/>
+        </a:xfrm>
+      </p:grpSpPr>
+      <p:sp>
+        <p:nvSpPr>
+          <p:cNvPr id="2" name="Text 0"/>
+          <p:cNvSpPr/>
+          <p:nvPr/>
+        </p:nvSpPr>
+        <p:spPr>
+          <a:xfrm>
+            <a:off x="0" y="914400"/>
+            <a:ext cx="9144000" cy="1828800"/>
+          </a:xfrm>
+          <a:prstGeom prst="rect">
+            <a:avLst/>
+          </a:prstGeom>
+          <a:noFill/>
+          <a:ln/>
+        </p:spPr>
+        <p:txBody>
+          <a:bodyPr wrap="square" rtlCol="0" anchor="ctr"/>
+          <a:lstStyle/>
+          <a:p>
+            <a:pPr algn="ctr" indent="0" marL="0">
+              <a:buNone/>
+            </a:pPr>
+            <a:r>
+              <a:rPr lang="en-US" sz="4800" dirty="0">
+                <a:solidFill>
+                  <a:srgbClr val="000000"/>
+                </a:solidFill>
+              </a:rPr>
+              <a:t>与える</a:t>
+            </a:r>
+            <a:endParaRPr lang="en-US" sz="4800" dirty="0"/>
+          </a:p>
+          <a:p>
+            <a:pPr algn="ctr" indent="0" marL="0">
+              <a:buNone/>
+            </a:pPr>
+            <a:r>
+              <a:rPr lang="en-US" sz="4800" dirty="0">
+                <a:solidFill>
+                  <a:srgbClr val="000000"/>
+                </a:solidFill>
+              </a:rPr>
+              <a:t>あたえる</a:t>
+            </a:r>
+            <a:endParaRPr lang="en-US" sz="4800" dirty="0"/>
+          </a:p>
+        </p:txBody>
+      </p:sp>
+      <p:sp>
+        <p:nvSpPr>
+          <p:cNvPr id="3" name="Text 1"/>
+          <p:cNvSpPr/>
+          <p:nvPr/>
+        </p:nvSpPr>
+        <p:spPr>
+          <a:xfrm>
+            <a:off x="0" y="2743200"/>
+            <a:ext cx="9144000" cy="1828800"/>
+          </a:xfrm>
+          <a:prstGeom prst="rect">
+            <a:avLst/>
+          </a:prstGeom>
+          <a:noFill/>
+          <a:ln/>
+        </p:spPr>
+        <p:txBody>
+          <a:bodyPr wrap="square" rtlCol="0" anchor="ctr"/>
+          <a:lstStyle/>
+          <a:p>
+            <a:pPr algn="ctr" indent="0" marL="0">
+              <a:buNone/>
+            </a:pPr>
+            <a:r>
+              <a:rPr lang="en-US" sz="3600" dirty="0">
+                <a:solidFill>
+                  <a:srgbClr val="000000"/>
+                </a:solidFill>
+              </a:rPr>
+              <a:t>to give (esp. to someone of lower status), to bestow, to grant, to confer, to present, to award | to provide, to afford, ...</a:t>
+            </a:r>
+            <a:endParaRPr lang="en-US" sz="3600" dirty="0"/>
+          </a:p>
+        </p:txBody>
+      </p:sp>
+      <p:sp>
+        <p:nvSpPr>
+          <p:cNvPr id="4" name="Text 2"/>
+          <p:cNvSpPr/>
+          <p:nvPr/>
+        </p:nvSpPr>
+        <p:spPr>
+          <a:xfrm>
+            <a:off x="0" y="4572000"/>
+            <a:ext cx="7315200" cy="1828800"/>
+          </a:xfrm>
+          <a:prstGeom prst="rect">
+            <a:avLst/>
+          </a:prstGeom>
+          <a:noFill/>
+          <a:ln/>
+        </p:spPr>
+        <p:txBody>
+          <a:bodyPr wrap="square" rtlCol="0" anchor="ctr"/>
+          <a:lstStyle/>
+          <a:p>
+            <a:pPr algn="l" indent="0" marL="0">
+              <a:buNone/>
+            </a:pPr>
+            <a:r>
+              <a:rPr lang="en-US" sz="2400" dirty="0">
+                <a:solidFill>
+                  <a:srgbClr val="000000"/>
+                </a:solidFill>
+              </a:rPr>
+              <a:t>63-64</a:t>
+            </a:r>
+            <a:endParaRPr lang="en-US" sz="2400" dirty="0"/>
+          </a:p>
+        </p:txBody>
+      </p:sp>
+    </p:spTree>
+  </p:cSld>
+  <p:clrMapOvr>
+    <a:masterClrMapping/>
+  </p:clrMapOvr>
+</p:sld>
+</file>
+
+<file path=ppt/slides/slide11.xml><?xml version="1.0" encoding="utf-8"?>
+<p:sld xmlns:a="http://schemas.openxmlformats.org/drawingml/2006/main" xmlns:r="http://schemas.openxmlformats.org/officeDocument/2006/relationships" xmlns:p="http://schemas.openxmlformats.org/presentationml/2006/main">
+  <p:cSld name="Slide 11">
+    <p:spTree>
+      <p:nvGrpSpPr>
+        <p:cNvPr id="1" name=""/>
+        <p:cNvGrpSpPr/>
+        <p:nvPr/>
+      </p:nvGrpSpPr>
+      <p:grpSpPr>
+        <a:xfrm>
+          <a:off x="0" y="0"/>
+          <a:ext cx="0" cy="0"/>
+          <a:chOff x="0" y="0"/>
+          <a:chExt cx="0" cy="0"/>
+        </a:xfrm>
+      </p:grpSpPr>
+      <p:sp>
+        <p:nvSpPr>
+          <p:cNvPr id="2" name="Text 0"/>
+          <p:cNvSpPr/>
+          <p:nvPr/>
+        </p:nvSpPr>
+        <p:spPr>
+          <a:xfrm>
+            <a:off x="0" y="914400"/>
+            <a:ext cx="9144000" cy="1828800"/>
+          </a:xfrm>
+          <a:prstGeom prst="rect">
+            <a:avLst/>
+          </a:prstGeom>
+          <a:noFill/>
+          <a:ln/>
+        </p:spPr>
+        <p:txBody>
+          <a:bodyPr wrap="square" rtlCol="0" anchor="ctr"/>
+          <a:lstStyle/>
+          <a:p>
+            <a:pPr algn="ctr" indent="0" marL="0">
+              <a:buNone/>
+            </a:pPr>
+            <a:r>
+              <a:rPr lang="en-US" sz="4800" dirty="0">
+                <a:solidFill>
+                  <a:srgbClr val="000000"/>
+                </a:solidFill>
+              </a:rPr>
+              <a:t>貸与</a:t>
+            </a:r>
+            <a:endParaRPr lang="en-US" sz="4800" dirty="0"/>
+          </a:p>
+          <a:p>
+            <a:pPr algn="ctr" indent="0" marL="0">
+              <a:buNone/>
+            </a:pPr>
+            <a:r>
+              <a:rPr lang="en-US" sz="4800" dirty="0">
+                <a:solidFill>
+                  <a:srgbClr val="000000"/>
+                </a:solidFill>
+              </a:rPr>
+              <a:t>たいよ</a:t>
+            </a:r>
+            <a:endParaRPr lang="en-US" sz="4800" dirty="0"/>
+          </a:p>
+        </p:txBody>
+      </p:sp>
+      <p:sp>
+        <p:nvSpPr>
+          <p:cNvPr id="3" name="Text 1"/>
+          <p:cNvSpPr/>
+          <p:nvPr/>
+        </p:nvSpPr>
+        <p:spPr>
+          <a:xfrm>
+            <a:off x="0" y="2743200"/>
+            <a:ext cx="9144000" cy="1828800"/>
+          </a:xfrm>
+          <a:prstGeom prst="rect">
+            <a:avLst/>
+          </a:prstGeom>
+          <a:noFill/>
+          <a:ln/>
+        </p:spPr>
+        <p:txBody>
+          <a:bodyPr wrap="square" rtlCol="0" anchor="ctr"/>
+          <a:lstStyle/>
+          <a:p>
+            <a:pPr algn="ctr" indent="0" marL="0">
+              <a:buNone/>
+            </a:pPr>
+            <a:r>
+              <a:rPr lang="en-US" sz="3600" dirty="0">
+                <a:solidFill>
+                  <a:srgbClr val="000000"/>
+                </a:solidFill>
+              </a:rPr>
+              <a:t>loan, lending...</a:t>
+            </a:r>
+            <a:endParaRPr lang="en-US" sz="3600" dirty="0"/>
+          </a:p>
+        </p:txBody>
+      </p:sp>
+      <p:sp>
+        <p:nvSpPr>
+          <p:cNvPr id="4" name="Text 2"/>
+          <p:cNvSpPr/>
+          <p:nvPr/>
+        </p:nvSpPr>
+        <p:spPr>
+          <a:xfrm>
+            <a:off x="0" y="4572000"/>
+            <a:ext cx="7315200" cy="1828800"/>
+          </a:xfrm>
+          <a:prstGeom prst="rect">
+            <a:avLst/>
+          </a:prstGeom>
+          <a:noFill/>
+          <a:ln/>
+        </p:spPr>
+        <p:txBody>
+          <a:bodyPr wrap="square" rtlCol="0" anchor="ctr"/>
+          <a:lstStyle/>
+          <a:p>
+            <a:pPr algn="l" indent="0" marL="0">
+              <a:buNone/>
+            </a:pPr>
+            <a:r>
+              <a:rPr lang="en-US" sz="2400" dirty="0">
+                <a:solidFill>
+                  <a:srgbClr val="000000"/>
+                </a:solidFill>
+              </a:rPr>
+              <a:t>63-64</a:t>
+            </a:r>
+            <a:endParaRPr lang="en-US" sz="2400" dirty="0"/>
+          </a:p>
+        </p:txBody>
+      </p:sp>
+    </p:spTree>
+  </p:cSld>
+  <p:clrMapOvr>
+    <a:masterClrMapping/>
+  </p:clrMapOvr>
+</p:sld>
+</file>
+
+<file path=ppt/slides/slide12.xml><?xml version="1.0" encoding="utf-8"?>
+<p:sld xmlns:a="http://schemas.openxmlformats.org/drawingml/2006/main" xmlns:r="http://schemas.openxmlformats.org/officeDocument/2006/relationships" xmlns:p="http://schemas.openxmlformats.org/presentationml/2006/main">
+  <p:cSld name="Slide 12">
+    <p:spTree>
+      <p:nvGrpSpPr>
+        <p:cNvPr id="1" name=""/>
+        <p:cNvGrpSpPr/>
+        <p:nvPr/>
+      </p:nvGrpSpPr>
+      <p:grpSpPr>
+        <a:xfrm>
+          <a:off x="0" y="0"/>
+          <a:ext cx="0" cy="0"/>
+          <a:chOff x="0" y="0"/>
+          <a:chExt cx="0" cy="0"/>
+        </a:xfrm>
+      </p:grpSpPr>
+      <p:sp>
+        <p:nvSpPr>
+          <p:cNvPr id="2" name="Text 0"/>
+          <p:cNvSpPr/>
+          <p:nvPr/>
+        </p:nvSpPr>
+        <p:spPr>
+          <a:xfrm>
+            <a:off x="0" y="914400"/>
+            <a:ext cx="9144000" cy="1828800"/>
+          </a:xfrm>
+          <a:prstGeom prst="rect">
+            <a:avLst/>
+          </a:prstGeom>
+          <a:noFill/>
+          <a:ln/>
+        </p:spPr>
+        <p:txBody>
+          <a:bodyPr wrap="square" rtlCol="0" anchor="ctr"/>
+          <a:lstStyle/>
+          <a:p>
+            <a:pPr algn="ctr" indent="0" marL="0">
+              <a:buNone/>
+            </a:pPr>
+            <a:r>
+              <a:rPr lang="en-US" sz="4800" dirty="0">
+                <a:solidFill>
+                  <a:srgbClr val="000000"/>
+                </a:solidFill>
+              </a:rPr>
+              <a:t>可能</a:t>
+            </a:r>
+            <a:endParaRPr lang="en-US" sz="4800" dirty="0"/>
+          </a:p>
+          <a:p>
+            <a:pPr algn="ctr" indent="0" marL="0">
+              <a:buNone/>
+            </a:pPr>
+            <a:r>
+              <a:rPr lang="en-US" sz="4800" dirty="0">
+                <a:solidFill>
+                  <a:srgbClr val="000000"/>
+                </a:solidFill>
+              </a:rPr>
+              <a:t>かのう</a:t>
+            </a:r>
+            <a:endParaRPr lang="en-US" sz="4800" dirty="0"/>
+          </a:p>
+        </p:txBody>
+      </p:sp>
+      <p:sp>
+        <p:nvSpPr>
+          <p:cNvPr id="3" name="Text 1"/>
+          <p:cNvSpPr/>
+          <p:nvPr/>
+        </p:nvSpPr>
+        <p:spPr>
+          <a:xfrm>
+            <a:off x="0" y="2743200"/>
+            <a:ext cx="9144000" cy="1828800"/>
+          </a:xfrm>
+          <a:prstGeom prst="rect">
+            <a:avLst/>
+          </a:prstGeom>
+          <a:noFill/>
+          <a:ln/>
+        </p:spPr>
+        <p:txBody>
+          <a:bodyPr wrap="square" rtlCol="0" anchor="ctr"/>
+          <a:lstStyle/>
+          <a:p>
+            <a:pPr algn="ctr" indent="0" marL="0">
+              <a:buNone/>
+            </a:pPr>
+            <a:r>
+              <a:rPr lang="en-US" sz="3600" dirty="0">
+                <a:solidFill>
+                  <a:srgbClr val="000000"/>
+                </a:solidFill>
+              </a:rPr>
+              <a:t>possible, potential, practicable, feasible...</a:t>
+            </a:r>
+            <a:endParaRPr lang="en-US" sz="3600" dirty="0"/>
+          </a:p>
+        </p:txBody>
+      </p:sp>
+      <p:sp>
+        <p:nvSpPr>
+          <p:cNvPr id="4" name="Text 2"/>
+          <p:cNvSpPr/>
+          <p:nvPr/>
+        </p:nvSpPr>
+        <p:spPr>
+          <a:xfrm>
+            <a:off x="0" y="4572000"/>
+            <a:ext cx="7315200" cy="1828800"/>
+          </a:xfrm>
+          <a:prstGeom prst="rect">
+            <a:avLst/>
+          </a:prstGeom>
+          <a:noFill/>
+          <a:ln/>
+        </p:spPr>
+        <p:txBody>
+          <a:bodyPr wrap="square" rtlCol="0" anchor="ctr"/>
+          <a:lstStyle/>
+          <a:p>
+            <a:pPr algn="l" indent="0" marL="0">
+              <a:buNone/>
+            </a:pPr>
+            <a:r>
+              <a:rPr lang="en-US" sz="2400" dirty="0">
+                <a:solidFill>
+                  <a:srgbClr val="000000"/>
+                </a:solidFill>
+              </a:rPr>
+              <a:t>63-64</a:t>
+            </a:r>
+            <a:endParaRPr lang="en-US" sz="2400" dirty="0"/>
+          </a:p>
+        </p:txBody>
+      </p:sp>
+    </p:spTree>
+  </p:cSld>
+  <p:clrMapOvr>
+    <a:masterClrMapping/>
+  </p:clrMapOvr>
+</p:sld>
+</file>
+
+<file path=ppt/slides/slide13.xml><?xml version="1.0" encoding="utf-8"?>
+<p:sld xmlns:a="http://schemas.openxmlformats.org/drawingml/2006/main" xmlns:r="http://schemas.openxmlformats.org/officeDocument/2006/relationships" xmlns:p="http://schemas.openxmlformats.org/presentationml/2006/main">
+  <p:cSld name="Slide 13">
+    <p:spTree>
+      <p:nvGrpSpPr>
+        <p:cNvPr id="1" name=""/>
+        <p:cNvGrpSpPr/>
+        <p:nvPr/>
+      </p:nvGrpSpPr>
+      <p:grpSpPr>
+        <a:xfrm>
+          <a:off x="0" y="0"/>
+          <a:ext cx="0" cy="0"/>
+          <a:chOff x="0" y="0"/>
+          <a:chExt cx="0" cy="0"/>
+        </a:xfrm>
+      </p:grpSpPr>
+      <p:sp>
+        <p:nvSpPr>
+          <p:cNvPr id="2" name="Text 0"/>
+          <p:cNvSpPr/>
+          <p:nvPr/>
+        </p:nvSpPr>
+        <p:spPr>
+          <a:xfrm>
+            <a:off x="0" y="914400"/>
+            <a:ext cx="9144000" cy="1828800"/>
+          </a:xfrm>
+          <a:prstGeom prst="rect">
+            <a:avLst/>
+          </a:prstGeom>
+          <a:noFill/>
+          <a:ln/>
+        </p:spPr>
+        <p:txBody>
+          <a:bodyPr wrap="square" rtlCol="0" anchor="ctr"/>
+          <a:lstStyle/>
+          <a:p>
+            <a:pPr algn="ctr" indent="0" marL="0">
+              <a:buNone/>
+            </a:pPr>
+            <a:r>
+              <a:rPr lang="en-US" sz="4800" dirty="0">
+                <a:solidFill>
+                  <a:srgbClr val="000000"/>
+                </a:solidFill>
+              </a:rPr>
+              <a:t>趣味</a:t>
+            </a:r>
+            <a:endParaRPr lang="en-US" sz="4800" dirty="0"/>
+          </a:p>
+          <a:p>
+            <a:pPr algn="ctr" indent="0" marL="0">
+              <a:buNone/>
+            </a:pPr>
+            <a:r>
+              <a:rPr lang="en-US" sz="4800" dirty="0">
+                <a:solidFill>
+                  <a:srgbClr val="000000"/>
+                </a:solidFill>
+              </a:rPr>
+              <a:t>しゅみ</a:t>
+            </a:r>
+            <a:endParaRPr lang="en-US" sz="4800" dirty="0"/>
+          </a:p>
+        </p:txBody>
+      </p:sp>
+      <p:sp>
+        <p:nvSpPr>
+          <p:cNvPr id="3" name="Text 1"/>
+          <p:cNvSpPr/>
+          <p:nvPr/>
+        </p:nvSpPr>
+        <p:spPr>
+          <a:xfrm>
+            <a:off x="0" y="2743200"/>
+            <a:ext cx="9144000" cy="1828800"/>
+          </a:xfrm>
+          <a:prstGeom prst="rect">
+            <a:avLst/>
+          </a:prstGeom>
+          <a:noFill/>
+          <a:ln/>
+        </p:spPr>
+        <p:txBody>
+          <a:bodyPr wrap="square" rtlCol="0" anchor="ctr"/>
+          <a:lstStyle/>
+          <a:p>
+            <a:pPr algn="ctr" indent="0" marL="0">
+              <a:buNone/>
+            </a:pPr>
+            <a:r>
+              <a:rPr lang="en-US" sz="3600" dirty="0">
+                <a:solidFill>
+                  <a:srgbClr val="000000"/>
+                </a:solidFill>
+              </a:rPr>
+              <a:t>hobby, pastime | tastes, preference, liking...</a:t>
+            </a:r>
+            <a:endParaRPr lang="en-US" sz="3600" dirty="0"/>
+          </a:p>
+        </p:txBody>
+      </p:sp>
+      <p:sp>
+        <p:nvSpPr>
+          <p:cNvPr id="4" name="Text 2"/>
+          <p:cNvSpPr/>
+          <p:nvPr/>
+        </p:nvSpPr>
+        <p:spPr>
+          <a:xfrm>
+            <a:off x="0" y="4572000"/>
+            <a:ext cx="7315200" cy="1828800"/>
+          </a:xfrm>
+          <a:prstGeom prst="rect">
+            <a:avLst/>
+          </a:prstGeom>
+          <a:noFill/>
+          <a:ln/>
+        </p:spPr>
+        <p:txBody>
+          <a:bodyPr wrap="square" rtlCol="0" anchor="ctr"/>
+          <a:lstStyle/>
+          <a:p>
+            <a:pPr algn="l" indent="0" marL="0">
+              <a:buNone/>
+            </a:pPr>
+            <a:r>
+              <a:rPr lang="en-US" sz="2400" dirty="0">
+                <a:solidFill>
+                  <a:srgbClr val="000000"/>
+                </a:solidFill>
+              </a:rPr>
+              <a:t>63-64</a:t>
+            </a:r>
+            <a:endParaRPr lang="en-US" sz="2400" dirty="0"/>
+          </a:p>
+        </p:txBody>
+      </p:sp>
+    </p:spTree>
+  </p:cSld>
+  <p:clrMapOvr>
+    <a:masterClrMapping/>
+  </p:clrMapOvr>
+</p:sld>
+</file>
+
+<file path=ppt/slides/slide2.xml><?xml version="1.0" encoding="utf-8"?>
+<p:sld xmlns:a="http://schemas.openxmlformats.org/drawingml/2006/main" xmlns:r="http://schemas.openxmlformats.org/officeDocument/2006/relationships" xmlns:p="http://schemas.openxmlformats.org/presentationml/2006/main">
+  <p:cSld name="Slide 2">
+    <p:spTree>
+      <p:nvGrpSpPr>
+        <p:cNvPr id="1" name=""/>
+        <p:cNvGrpSpPr/>
+        <p:nvPr/>
+      </p:nvGrpSpPr>
+      <p:grpSpPr>
+        <a:xfrm>
+          <a:off x="0" y="0"/>
+          <a:ext cx="0" cy="0"/>
+          <a:chOff x="0" y="0"/>
+          <a:chExt cx="0" cy="0"/>
+        </a:xfrm>
+      </p:grpSpPr>
+      <p:sp>
+        <p:nvSpPr>
+          <p:cNvPr id="2" name="Text 0"/>
+          <p:cNvSpPr/>
+          <p:nvPr/>
+        </p:nvSpPr>
+        <p:spPr>
+          <a:xfrm>
+            <a:off x="0" y="914400"/>
+            <a:ext cx="9144000" cy="1828800"/>
+          </a:xfrm>
+          <a:prstGeom prst="rect">
+            <a:avLst/>
+          </a:prstGeom>
+          <a:noFill/>
+          <a:ln/>
+        </p:spPr>
+        <p:txBody>
+          <a:bodyPr wrap="square" rtlCol="0" anchor="ctr"/>
+          <a:lstStyle/>
+          <a:p>
+            <a:pPr algn="ctr" indent="0" marL="0">
+              <a:buNone/>
+            </a:pPr>
+            <a:r>
+              <a:rPr lang="en-US" sz="4800" dirty="0">
+                <a:solidFill>
+                  <a:srgbClr val="000000"/>
+                </a:solidFill>
+              </a:rPr>
+              <a:t>豊作</a:t>
+            </a:r>
+            <a:endParaRPr lang="en-US" sz="4800" dirty="0"/>
+          </a:p>
+          <a:p>
+            <a:pPr algn="ctr" indent="0" marL="0">
+              <a:buNone/>
+            </a:pPr>
+            <a:r>
+              <a:rPr lang="en-US" sz="4800" dirty="0">
+                <a:solidFill>
+                  <a:srgbClr val="000000"/>
+                </a:solidFill>
+              </a:rPr>
+              <a:t>ほうさく</a:t>
+            </a:r>
+            <a:endParaRPr lang="en-US" sz="4800" dirty="0"/>
+          </a:p>
+        </p:txBody>
+      </p:sp>
+      <p:sp>
+        <p:nvSpPr>
+          <p:cNvPr id="3" name="Text 1"/>
+          <p:cNvSpPr/>
+          <p:nvPr/>
+        </p:nvSpPr>
+        <p:spPr>
+          <a:xfrm>
+            <a:off x="0" y="2743200"/>
+            <a:ext cx="9144000" cy="1828800"/>
+          </a:xfrm>
+          <a:prstGeom prst="rect">
+            <a:avLst/>
+          </a:prstGeom>
+          <a:noFill/>
+          <a:ln/>
+        </p:spPr>
+        <p:txBody>
+          <a:bodyPr wrap="square" rtlCol="0" anchor="ctr"/>
+          <a:lstStyle/>
+          <a:p>
+            <a:pPr algn="ctr" indent="0" marL="0">
+              <a:buNone/>
+            </a:pPr>
+            <a:r>
+              <a:rPr lang="en-US" sz="3600" dirty="0">
+                <a:solidFill>
+                  <a:srgbClr val="000000"/>
+                </a:solidFill>
+              </a:rPr>
+              <a:t>abundant harvest, bumper crop...</a:t>
+            </a:r>
+            <a:endParaRPr lang="en-US" sz="3600" dirty="0"/>
+          </a:p>
+        </p:txBody>
+      </p:sp>
+      <p:sp>
+        <p:nvSpPr>
+          <p:cNvPr id="4" name="Text 2"/>
+          <p:cNvSpPr/>
+          <p:nvPr/>
+        </p:nvSpPr>
+        <p:spPr>
+          <a:xfrm>
+            <a:off x="0" y="4572000"/>
+            <a:ext cx="7315200" cy="1828800"/>
+          </a:xfrm>
+          <a:prstGeom prst="rect">
+            <a:avLst/>
+          </a:prstGeom>
+          <a:noFill/>
+          <a:ln/>
+        </p:spPr>
+        <p:txBody>
+          <a:bodyPr wrap="square" rtlCol="0" anchor="ctr"/>
+          <a:lstStyle/>
+          <a:p>
+            <a:pPr algn="l" indent="0" marL="0">
+              <a:buNone/>
+            </a:pPr>
+            <a:r>
+              <a:rPr lang="en-US" sz="2400" dirty="0">
+                <a:solidFill>
+                  <a:srgbClr val="000000"/>
+                </a:solidFill>
+              </a:rPr>
+              <a:t>63-64</a:t>
+            </a:r>
+            <a:endParaRPr lang="en-US" sz="2400" dirty="0"/>
+          </a:p>
+        </p:txBody>
+      </p:sp>
+    </p:spTree>
+  </p:cSld>
+  <p:clrMapOvr>
+    <a:masterClrMapping/>
+  </p:clrMapOvr>
+</p:sld>
+</file>
+
+<file path=ppt/slides/slide3.xml><?xml version="1.0" encoding="utf-8"?>
+<p:sld xmlns:a="http://schemas.openxmlformats.org/drawingml/2006/main" xmlns:r="http://schemas.openxmlformats.org/officeDocument/2006/relationships" xmlns:p="http://schemas.openxmlformats.org/presentationml/2006/main">
+  <p:cSld name="Slide 3">
+    <p:spTree>
+      <p:nvGrpSpPr>
+        <p:cNvPr id="1" name=""/>
+        <p:cNvGrpSpPr/>
+        <p:nvPr/>
+      </p:nvGrpSpPr>
+      <p:grpSpPr>
+        <a:xfrm>
+          <a:off x="0" y="0"/>
+          <a:ext cx="0" cy="0"/>
+          <a:chOff x="0" y="0"/>
+          <a:chExt cx="0" cy="0"/>
+        </a:xfrm>
+      </p:grpSpPr>
+      <p:sp>
+        <p:nvSpPr>
+          <p:cNvPr id="2" name="Text 0"/>
+          <p:cNvSpPr/>
+          <p:nvPr/>
+        </p:nvSpPr>
+        <p:spPr>
+          <a:xfrm>
+            <a:off x="0" y="914400"/>
+            <a:ext cx="9144000" cy="1828800"/>
+          </a:xfrm>
+          <a:prstGeom prst="rect">
+            <a:avLst/>
+          </a:prstGeom>
+          <a:noFill/>
+          <a:ln/>
+        </p:spPr>
+        <p:txBody>
+          <a:bodyPr wrap="square" rtlCol="0" anchor="ctr"/>
+          <a:lstStyle/>
+          <a:p>
+            <a:pPr algn="ctr" indent="0" marL="0">
+              <a:buNone/>
+            </a:pPr>
+            <a:r>
+              <a:rPr lang="en-US" sz="4800" dirty="0">
+                <a:solidFill>
+                  <a:srgbClr val="000000"/>
+                </a:solidFill>
+              </a:rPr>
+              <a:t>得る</a:t>
+            </a:r>
+            <a:endParaRPr lang="en-US" sz="4800" dirty="0"/>
+          </a:p>
+          <a:p>
+            <a:pPr algn="ctr" indent="0" marL="0">
+              <a:buNone/>
+            </a:pPr>
+            <a:r>
+              <a:rPr lang="en-US" sz="4800" dirty="0">
+                <a:solidFill>
+                  <a:srgbClr val="000000"/>
+                </a:solidFill>
+              </a:rPr>
+              <a:t>える</a:t>
+            </a:r>
+            <a:endParaRPr lang="en-US" sz="4800" dirty="0"/>
+          </a:p>
+        </p:txBody>
+      </p:sp>
+      <p:sp>
+        <p:nvSpPr>
+          <p:cNvPr id="3" name="Text 1"/>
+          <p:cNvSpPr/>
+          <p:nvPr/>
+        </p:nvSpPr>
+        <p:spPr>
+          <a:xfrm>
+            <a:off x="0" y="2743200"/>
+            <a:ext cx="9144000" cy="1828800"/>
+          </a:xfrm>
+          <a:prstGeom prst="rect">
+            <a:avLst/>
+          </a:prstGeom>
+          <a:noFill/>
+          <a:ln/>
+        </p:spPr>
+        <p:txBody>
+          <a:bodyPr wrap="square" rtlCol="0" anchor="ctr"/>
+          <a:lstStyle/>
+          <a:p>
+            <a:pPr algn="ctr" indent="0" marL="0">
+              <a:buNone/>
+            </a:pPr>
+            <a:r>
+              <a:rPr lang="en-US" sz="3600" dirty="0">
+                <a:solidFill>
+                  <a:srgbClr val="000000"/>
+                </a:solidFill>
+              </a:rPr>
+              <a:t>to get, to earn, to acquire, to procure, to gain, to secure, to attain, to obtain, to win | to understand, to comprehend ...</a:t>
+            </a:r>
+            <a:endParaRPr lang="en-US" sz="3600" dirty="0"/>
+          </a:p>
+        </p:txBody>
+      </p:sp>
+      <p:sp>
+        <p:nvSpPr>
+          <p:cNvPr id="4" name="Text 2"/>
+          <p:cNvSpPr/>
+          <p:nvPr/>
+        </p:nvSpPr>
+        <p:spPr>
+          <a:xfrm>
+            <a:off x="0" y="4572000"/>
+            <a:ext cx="7315200" cy="1828800"/>
+          </a:xfrm>
+          <a:prstGeom prst="rect">
+            <a:avLst/>
+          </a:prstGeom>
+          <a:noFill/>
+          <a:ln/>
+        </p:spPr>
+        <p:txBody>
+          <a:bodyPr wrap="square" rtlCol="0" anchor="ctr"/>
+          <a:lstStyle/>
+          <a:p>
+            <a:pPr algn="l" indent="0" marL="0">
+              <a:buNone/>
+            </a:pPr>
+            <a:r>
+              <a:rPr lang="en-US" sz="2400" dirty="0">
+                <a:solidFill>
+                  <a:srgbClr val="000000"/>
+                </a:solidFill>
+              </a:rPr>
+              <a:t>63-64</a:t>
+            </a:r>
+            <a:endParaRPr lang="en-US" sz="2400" dirty="0"/>
+          </a:p>
+        </p:txBody>
+      </p:sp>
+    </p:spTree>
+  </p:cSld>
+  <p:clrMapOvr>
+    <a:masterClrMapping/>
+  </p:clrMapOvr>
+</p:sld>
+</file>
+
+<file path=ppt/slides/slide4.xml><?xml version="1.0" encoding="utf-8"?>
+<p:sld xmlns:a="http://schemas.openxmlformats.org/drawingml/2006/main" xmlns:r="http://schemas.openxmlformats.org/officeDocument/2006/relationships" xmlns:p="http://schemas.openxmlformats.org/presentationml/2006/main">
+  <p:cSld name="Slide 4">
+    <p:spTree>
+      <p:nvGrpSpPr>
+        <p:cNvPr id="1" name=""/>
+        <p:cNvGrpSpPr/>
+        <p:nvPr/>
+      </p:nvGrpSpPr>
+      <p:grpSpPr>
+        <a:xfrm>
+          <a:off x="0" y="0"/>
+          <a:ext cx="0" cy="0"/>
+          <a:chOff x="0" y="0"/>
+          <a:chExt cx="0" cy="0"/>
+        </a:xfrm>
+      </p:grpSpPr>
+      <p:sp>
+        <p:nvSpPr>
+          <p:cNvPr id="2" name="Text 0"/>
+          <p:cNvSpPr/>
+          <p:nvPr/>
+        </p:nvSpPr>
+        <p:spPr>
+          <a:xfrm>
+            <a:off x="0" y="914400"/>
+            <a:ext cx="9144000" cy="1828800"/>
+          </a:xfrm>
+          <a:prstGeom prst="rect">
+            <a:avLst/>
+          </a:prstGeom>
+          <a:noFill/>
+          <a:ln/>
+        </p:spPr>
+        <p:txBody>
+          <a:bodyPr wrap="square" rtlCol="0" anchor="ctr"/>
+          <a:lstStyle/>
+          <a:p>
+            <a:pPr algn="ctr" indent="0" marL="0">
+              <a:buNone/>
+            </a:pPr>
+            <a:r>
+              <a:rPr lang="en-US" sz="4800" dirty="0">
+                <a:solidFill>
+                  <a:srgbClr val="000000"/>
+                </a:solidFill>
+              </a:rPr>
+              <a:t>得意</a:t>
+            </a:r>
+            <a:endParaRPr lang="en-US" sz="4800" dirty="0"/>
+          </a:p>
+          <a:p>
+            <a:pPr algn="ctr" indent="0" marL="0">
+              <a:buNone/>
+            </a:pPr>
+            <a:r>
+              <a:rPr lang="en-US" sz="4800" dirty="0">
+                <a:solidFill>
+                  <a:srgbClr val="000000"/>
+                </a:solidFill>
+              </a:rPr>
+              <a:t>とくい</a:t>
+            </a:r>
+            <a:endParaRPr lang="en-US" sz="4800" dirty="0"/>
+          </a:p>
+        </p:txBody>
+      </p:sp>
+      <p:sp>
+        <p:nvSpPr>
+          <p:cNvPr id="3" name="Text 1"/>
+          <p:cNvSpPr/>
+          <p:nvPr/>
+        </p:nvSpPr>
+        <p:spPr>
+          <a:xfrm>
+            <a:off x="0" y="2743200"/>
+            <a:ext cx="9144000" cy="1828800"/>
+          </a:xfrm>
+          <a:prstGeom prst="rect">
+            <a:avLst/>
+          </a:prstGeom>
+          <a:noFill/>
+          <a:ln/>
+        </p:spPr>
+        <p:txBody>
+          <a:bodyPr wrap="square" rtlCol="0" anchor="ctr"/>
+          <a:lstStyle/>
+          <a:p>
+            <a:pPr algn="ctr" indent="0" marL="0">
+              <a:buNone/>
+            </a:pPr>
+            <a:r>
+              <a:rPr lang="en-US" sz="3600" dirty="0">
+                <a:solidFill>
+                  <a:srgbClr val="000000"/>
+                </a:solidFill>
+              </a:rPr>
+              <a:t>satisfaction, pride, triumph, elation | one's strong point, one's forte, one's specialty | regular customer, regular clie...</a:t>
+            </a:r>
+            <a:endParaRPr lang="en-US" sz="3600" dirty="0"/>
+          </a:p>
+        </p:txBody>
+      </p:sp>
+      <p:sp>
+        <p:nvSpPr>
+          <p:cNvPr id="4" name="Text 2"/>
+          <p:cNvSpPr/>
+          <p:nvPr/>
+        </p:nvSpPr>
+        <p:spPr>
+          <a:xfrm>
+            <a:off x="0" y="4572000"/>
+            <a:ext cx="7315200" cy="1828800"/>
+          </a:xfrm>
+          <a:prstGeom prst="rect">
+            <a:avLst/>
+          </a:prstGeom>
+          <a:noFill/>
+          <a:ln/>
+        </p:spPr>
+        <p:txBody>
+          <a:bodyPr wrap="square" rtlCol="0" anchor="ctr"/>
+          <a:lstStyle/>
+          <a:p>
+            <a:pPr algn="l" indent="0" marL="0">
+              <a:buNone/>
+            </a:pPr>
+            <a:r>
+              <a:rPr lang="en-US" sz="2400" dirty="0">
+                <a:solidFill>
+                  <a:srgbClr val="000000"/>
+                </a:solidFill>
+              </a:rPr>
+              <a:t>63-64</a:t>
+            </a:r>
+            <a:endParaRPr lang="en-US" sz="2400" dirty="0"/>
+          </a:p>
+        </p:txBody>
+      </p:sp>
+    </p:spTree>
+  </p:cSld>
+  <p:clrMapOvr>
+    <a:masterClrMapping/>
+  </p:clrMapOvr>
+</p:sld>
+</file>
+
+<file path=ppt/slides/slide5.xml><?xml version="1.0" encoding="utf-8"?>
+<p:sld xmlns:a="http://schemas.openxmlformats.org/drawingml/2006/main" xmlns:r="http://schemas.openxmlformats.org/officeDocument/2006/relationships" xmlns:p="http://schemas.openxmlformats.org/presentationml/2006/main">
+  <p:cSld name="Slide 5">
+    <p:spTree>
+      <p:nvGrpSpPr>
+        <p:cNvPr id="1" name=""/>
+        <p:cNvGrpSpPr/>
+        <p:nvPr/>
+      </p:nvGrpSpPr>
+      <p:grpSpPr>
+        <a:xfrm>
+          <a:off x="0" y="0"/>
+          <a:ext cx="0" cy="0"/>
+          <a:chOff x="0" y="0"/>
+          <a:chExt cx="0" cy="0"/>
+        </a:xfrm>
+      </p:grpSpPr>
+      <p:sp>
+        <p:nvSpPr>
+          <p:cNvPr id="2" name="Text 0"/>
+          <p:cNvSpPr/>
+          <p:nvPr/>
+        </p:nvSpPr>
+        <p:spPr>
+          <a:xfrm>
+            <a:off x="0" y="914400"/>
+            <a:ext cx="9144000" cy="1828800"/>
+          </a:xfrm>
+          <a:prstGeom prst="rect">
+            <a:avLst/>
+          </a:prstGeom>
+          <a:noFill/>
+          <a:ln/>
+        </p:spPr>
+        <p:txBody>
+          <a:bodyPr wrap="square" rtlCol="0" anchor="ctr"/>
+          <a:lstStyle/>
+          <a:p>
+            <a:pPr algn="ctr" indent="0" marL="0">
+              <a:buNone/>
+            </a:pPr>
+            <a:r>
+              <a:rPr lang="en-US" sz="4800" dirty="0">
+                <a:solidFill>
+                  <a:srgbClr val="000000"/>
+                </a:solidFill>
+              </a:rPr>
+              <a:t>逆らう</a:t>
+            </a:r>
+            <a:endParaRPr lang="en-US" sz="4800" dirty="0"/>
+          </a:p>
+          <a:p>
+            <a:pPr algn="ctr" indent="0" marL="0">
+              <a:buNone/>
+            </a:pPr>
+            <a:r>
+              <a:rPr lang="en-US" sz="4800" dirty="0">
+                <a:solidFill>
+                  <a:srgbClr val="000000"/>
+                </a:solidFill>
+              </a:rPr>
+              <a:t>さからう</a:t>
+            </a:r>
+            <a:endParaRPr lang="en-US" sz="4800" dirty="0"/>
+          </a:p>
+        </p:txBody>
+      </p:sp>
+      <p:sp>
+        <p:nvSpPr>
+          <p:cNvPr id="3" name="Text 1"/>
+          <p:cNvSpPr/>
+          <p:nvPr/>
+        </p:nvSpPr>
+        <p:spPr>
+          <a:xfrm>
+            <a:off x="0" y="2743200"/>
+            <a:ext cx="9144000" cy="1828800"/>
+          </a:xfrm>
+          <a:prstGeom prst="rect">
+            <a:avLst/>
+          </a:prstGeom>
+          <a:noFill/>
+          <a:ln/>
+        </p:spPr>
+        <p:txBody>
+          <a:bodyPr wrap="square" rtlCol="0" anchor="ctr"/>
+          <a:lstStyle/>
+          <a:p>
+            <a:pPr algn="ctr" indent="0" marL="0">
+              <a:buNone/>
+            </a:pPr>
+            <a:r>
+              <a:rPr lang="en-US" sz="3600" dirty="0">
+                <a:solidFill>
+                  <a:srgbClr val="000000"/>
+                </a:solidFill>
+              </a:rPr>
+              <a:t>to go against, to oppose, to disobey, to defy...</a:t>
+            </a:r>
+            <a:endParaRPr lang="en-US" sz="3600" dirty="0"/>
+          </a:p>
+        </p:txBody>
+      </p:sp>
+      <p:sp>
+        <p:nvSpPr>
+          <p:cNvPr id="4" name="Text 2"/>
+          <p:cNvSpPr/>
+          <p:nvPr/>
+        </p:nvSpPr>
+        <p:spPr>
+          <a:xfrm>
+            <a:off x="0" y="4572000"/>
+            <a:ext cx="7315200" cy="1828800"/>
+          </a:xfrm>
+          <a:prstGeom prst="rect">
+            <a:avLst/>
+          </a:prstGeom>
+          <a:noFill/>
+          <a:ln/>
+        </p:spPr>
+        <p:txBody>
+          <a:bodyPr wrap="square" rtlCol="0" anchor="ctr"/>
+          <a:lstStyle/>
+          <a:p>
+            <a:pPr algn="l" indent="0" marL="0">
+              <a:buNone/>
+            </a:pPr>
+            <a:r>
+              <a:rPr lang="en-US" sz="2400" dirty="0">
+                <a:solidFill>
+                  <a:srgbClr val="000000"/>
+                </a:solidFill>
+              </a:rPr>
+              <a:t>63-64</a:t>
+            </a:r>
+            <a:endParaRPr lang="en-US" sz="2400" dirty="0"/>
+          </a:p>
+        </p:txBody>
+      </p:sp>
+    </p:spTree>
+  </p:cSld>
+  <p:clrMapOvr>
+    <a:masterClrMapping/>
+  </p:clrMapOvr>
+</p:sld>
+</file>
+
+<file path=ppt/slides/slide6.xml><?xml version="1.0" encoding="utf-8"?>
+<p:sld xmlns:a="http://schemas.openxmlformats.org/drawingml/2006/main" xmlns:r="http://schemas.openxmlformats.org/officeDocument/2006/relationships" xmlns:p="http://schemas.openxmlformats.org/presentationml/2006/main">
+  <p:cSld name="Slide 6">
+    <p:spTree>
+      <p:nvGrpSpPr>
+        <p:cNvPr id="1" name=""/>
+        <p:cNvGrpSpPr/>
+        <p:nvPr/>
+      </p:nvGrpSpPr>
+      <p:grpSpPr>
+        <a:xfrm>
+          <a:off x="0" y="0"/>
+          <a:ext cx="0" cy="0"/>
+          <a:chOff x="0" y="0"/>
+          <a:chExt cx="0" cy="0"/>
+        </a:xfrm>
+      </p:grpSpPr>
+      <p:sp>
+        <p:nvSpPr>
+          <p:cNvPr id="2" name="Text 0"/>
+          <p:cNvSpPr/>
+          <p:nvPr/>
+        </p:nvSpPr>
+        <p:spPr>
+          <a:xfrm>
+            <a:off x="0" y="914400"/>
+            <a:ext cx="9144000" cy="1828800"/>
+          </a:xfrm>
+          <a:prstGeom prst="rect">
+            <a:avLst/>
+          </a:prstGeom>
+          <a:noFill/>
+          <a:ln/>
+        </p:spPr>
+        <p:txBody>
+          <a:bodyPr wrap="square" rtlCol="0" anchor="ctr"/>
+          <a:lstStyle/>
+          <a:p>
+            <a:pPr algn="ctr" indent="0" marL="0">
+              <a:buNone/>
+            </a:pPr>
+            <a:r>
+              <a:rPr lang="en-US" sz="4800" dirty="0">
+                <a:solidFill>
+                  <a:srgbClr val="000000"/>
+                </a:solidFill>
+              </a:rPr>
+              <a:t>逆</a:t>
+            </a:r>
+            <a:endParaRPr lang="en-US" sz="4800" dirty="0"/>
+          </a:p>
+          <a:p>
+            <a:pPr algn="ctr" indent="0" marL="0">
+              <a:buNone/>
+            </a:pPr>
+            <a:r>
+              <a:rPr lang="en-US" sz="4800" dirty="0">
+                <a:solidFill>
+                  <a:srgbClr val="000000"/>
+                </a:solidFill>
+              </a:rPr>
+              <a:t>ぎゃく</a:t>
+            </a:r>
+            <a:endParaRPr lang="en-US" sz="4800" dirty="0"/>
+          </a:p>
+        </p:txBody>
+      </p:sp>
+      <p:sp>
+        <p:nvSpPr>
+          <p:cNvPr id="3" name="Text 1"/>
+          <p:cNvSpPr/>
+          <p:nvPr/>
+        </p:nvSpPr>
+        <p:spPr>
+          <a:xfrm>
+            <a:off x="0" y="2743200"/>
+            <a:ext cx="9144000" cy="1828800"/>
+          </a:xfrm>
+          <a:prstGeom prst="rect">
+            <a:avLst/>
+          </a:prstGeom>
+          <a:noFill/>
+          <a:ln/>
+        </p:spPr>
+        <p:txBody>
+          <a:bodyPr wrap="square" rtlCol="0" anchor="ctr"/>
+          <a:lstStyle/>
+          <a:p>
+            <a:pPr algn="ctr" indent="0" marL="0">
+              <a:buNone/>
+            </a:pPr>
+            <a:r>
+              <a:rPr lang="en-US" sz="3600" dirty="0">
+                <a:solidFill>
+                  <a:srgbClr val="000000"/>
+                </a:solidFill>
+              </a:rPr>
+              <a:t>reverse, opposite | converse (of a hypothesis, etc.) | inverse (function)...</a:t>
+            </a:r>
+            <a:endParaRPr lang="en-US" sz="3600" dirty="0"/>
+          </a:p>
+        </p:txBody>
+      </p:sp>
+      <p:sp>
+        <p:nvSpPr>
+          <p:cNvPr id="4" name="Text 2"/>
+          <p:cNvSpPr/>
+          <p:nvPr/>
+        </p:nvSpPr>
+        <p:spPr>
+          <a:xfrm>
+            <a:off x="0" y="4572000"/>
+            <a:ext cx="7315200" cy="1828800"/>
+          </a:xfrm>
+          <a:prstGeom prst="rect">
+            <a:avLst/>
+          </a:prstGeom>
+          <a:noFill/>
+          <a:ln/>
+        </p:spPr>
+        <p:txBody>
+          <a:bodyPr wrap="square" rtlCol="0" anchor="ctr"/>
+          <a:lstStyle/>
+          <a:p>
+            <a:pPr algn="l" indent="0" marL="0">
+              <a:buNone/>
+            </a:pPr>
+            <a:r>
+              <a:rPr lang="en-US" sz="2400" dirty="0">
+                <a:solidFill>
+                  <a:srgbClr val="000000"/>
+                </a:solidFill>
+              </a:rPr>
+              <a:t>63-64</a:t>
+            </a:r>
+            <a:endParaRPr lang="en-US" sz="2400" dirty="0"/>
+          </a:p>
+        </p:txBody>
+      </p:sp>
+    </p:spTree>
+  </p:cSld>
+  <p:clrMapOvr>
+    <a:masterClrMapping/>
+  </p:clrMapOvr>
+</p:sld>
+</file>
+
+<file path=ppt/slides/slide7.xml><?xml version="1.0" encoding="utf-8"?>
+<p:sld xmlns:a="http://schemas.openxmlformats.org/drawingml/2006/main" xmlns:r="http://schemas.openxmlformats.org/officeDocument/2006/relationships" xmlns:p="http://schemas.openxmlformats.org/presentationml/2006/main">
+  <p:cSld name="Slide 7">
+    <p:spTree>
+      <p:nvGrpSpPr>
+        <p:cNvPr id="1" name=""/>
+        <p:cNvGrpSpPr/>
+        <p:nvPr/>
+      </p:nvGrpSpPr>
+      <p:grpSpPr>
+        <a:xfrm>
+          <a:off x="0" y="0"/>
+          <a:ext cx="0" cy="0"/>
+          <a:chOff x="0" y="0"/>
+          <a:chExt cx="0" cy="0"/>
+        </a:xfrm>
+      </p:grpSpPr>
+      <p:sp>
+        <p:nvSpPr>
+          <p:cNvPr id="2" name="Text 0"/>
+          <p:cNvSpPr/>
+          <p:nvPr/>
+        </p:nvSpPr>
+        <p:spPr>
+          <a:xfrm>
+            <a:off x="0" y="914400"/>
+            <a:ext cx="9144000" cy="1828800"/>
+          </a:xfrm>
+          <a:prstGeom prst="rect">
+            <a:avLst/>
+          </a:prstGeom>
+          <a:noFill/>
+          <a:ln/>
+        </p:spPr>
+        <p:txBody>
+          <a:bodyPr wrap="square" rtlCol="0" anchor="ctr"/>
+          <a:lstStyle/>
+          <a:p>
+            <a:pPr algn="ctr" indent="0" marL="0">
+              <a:buNone/>
+            </a:pPr>
+            <a:r>
+              <a:rPr lang="en-US" sz="4800" dirty="0">
+                <a:solidFill>
+                  <a:srgbClr val="000000"/>
+                </a:solidFill>
+              </a:rPr>
+              <a:t>お互い</a:t>
+            </a:r>
+            <a:endParaRPr lang="en-US" sz="4800" dirty="0"/>
+          </a:p>
+          <a:p>
+            <a:pPr algn="ctr" indent="0" marL="0">
+              <a:buNone/>
+            </a:pPr>
+            <a:r>
+              <a:rPr lang="en-US" sz="4800" dirty="0">
+                <a:solidFill>
+                  <a:srgbClr val="000000"/>
+                </a:solidFill>
+              </a:rPr>
+              <a:t>おたがい</a:t>
+            </a:r>
+            <a:endParaRPr lang="en-US" sz="4800" dirty="0"/>
+          </a:p>
+        </p:txBody>
+      </p:sp>
+      <p:sp>
+        <p:nvSpPr>
+          <p:cNvPr id="3" name="Text 1"/>
+          <p:cNvSpPr/>
+          <p:nvPr/>
+        </p:nvSpPr>
+        <p:spPr>
+          <a:xfrm>
+            <a:off x="0" y="2743200"/>
+            <a:ext cx="9144000" cy="1828800"/>
+          </a:xfrm>
+          <a:prstGeom prst="rect">
+            <a:avLst/>
+          </a:prstGeom>
+          <a:noFill/>
+          <a:ln/>
+        </p:spPr>
+        <p:txBody>
+          <a:bodyPr wrap="square" rtlCol="0" anchor="ctr"/>
+          <a:lstStyle/>
+          <a:p>
+            <a:pPr algn="ctr" indent="0" marL="0">
+              <a:buNone/>
+            </a:pPr>
+            <a:r>
+              <a:rPr lang="en-US" sz="3600" dirty="0">
+                <a:solidFill>
+                  <a:srgbClr val="000000"/>
+                </a:solidFill>
+              </a:rPr>
+              <a:t>each other, one another...</a:t>
+            </a:r>
+            <a:endParaRPr lang="en-US" sz="3600" dirty="0"/>
+          </a:p>
+        </p:txBody>
+      </p:sp>
+      <p:sp>
+        <p:nvSpPr>
+          <p:cNvPr id="4" name="Text 2"/>
+          <p:cNvSpPr/>
+          <p:nvPr/>
+        </p:nvSpPr>
+        <p:spPr>
+          <a:xfrm>
+            <a:off x="0" y="4572000"/>
+            <a:ext cx="7315200" cy="1828800"/>
+          </a:xfrm>
+          <a:prstGeom prst="rect">
+            <a:avLst/>
+          </a:prstGeom>
+          <a:noFill/>
+          <a:ln/>
+        </p:spPr>
+        <p:txBody>
+          <a:bodyPr wrap="square" rtlCol="0" anchor="ctr"/>
+          <a:lstStyle/>
+          <a:p>
+            <a:pPr algn="l" indent="0" marL="0">
+              <a:buNone/>
+            </a:pPr>
+            <a:r>
+              <a:rPr lang="en-US" sz="2400" dirty="0">
+                <a:solidFill>
+                  <a:srgbClr val="000000"/>
+                </a:solidFill>
+              </a:rPr>
+              <a:t>63-64</a:t>
+            </a:r>
+            <a:endParaRPr lang="en-US" sz="2400" dirty="0"/>
+          </a:p>
+        </p:txBody>
+      </p:sp>
+    </p:spTree>
+  </p:cSld>
+  <p:clrMapOvr>
+    <a:masterClrMapping/>
+  </p:clrMapOvr>
+</p:sld>
+</file>
+
+<file path=ppt/slides/slide8.xml><?xml version="1.0" encoding="utf-8"?>
+<p:sld xmlns:a="http://schemas.openxmlformats.org/drawingml/2006/main" xmlns:r="http://schemas.openxmlformats.org/officeDocument/2006/relationships" xmlns:p="http://schemas.openxmlformats.org/presentationml/2006/main">
+  <p:cSld name="Slide 8">
+    <p:spTree>
+      <p:nvGrpSpPr>
+        <p:cNvPr id="1" name=""/>
+        <p:cNvGrpSpPr/>
+        <p:nvPr/>
+      </p:nvGrpSpPr>
+      <p:grpSpPr>
+        <a:xfrm>
+          <a:off x="0" y="0"/>
+          <a:ext cx="0" cy="0"/>
+          <a:chOff x="0" y="0"/>
+          <a:chExt cx="0" cy="0"/>
+        </a:xfrm>
+      </p:grpSpPr>
+      <p:sp>
+        <p:nvSpPr>
+          <p:cNvPr id="2" name="Text 0"/>
+          <p:cNvSpPr/>
+          <p:nvPr/>
+        </p:nvSpPr>
+        <p:spPr>
+          <a:xfrm>
+            <a:off x="0" y="914400"/>
+            <a:ext cx="9144000" cy="1828800"/>
+          </a:xfrm>
+          <a:prstGeom prst="rect">
+            <a:avLst/>
+          </a:prstGeom>
+          <a:noFill/>
+          <a:ln/>
+        </p:spPr>
+        <p:txBody>
+          <a:bodyPr wrap="square" rtlCol="0" anchor="ctr"/>
+          <a:lstStyle/>
+          <a:p>
+            <a:pPr algn="ctr" indent="0" marL="0">
+              <a:buNone/>
+            </a:pPr>
+            <a:r>
+              <a:rPr lang="en-US" sz="4800" dirty="0">
+                <a:solidFill>
+                  <a:srgbClr val="000000"/>
+                </a:solidFill>
+              </a:rPr>
+              <a:t>相互</a:t>
+            </a:r>
+            <a:endParaRPr lang="en-US" sz="4800" dirty="0"/>
+          </a:p>
+          <a:p>
+            <a:pPr algn="ctr" indent="0" marL="0">
+              <a:buNone/>
+            </a:pPr>
+            <a:r>
+              <a:rPr lang="en-US" sz="4800" dirty="0">
+                <a:solidFill>
+                  <a:srgbClr val="000000"/>
+                </a:solidFill>
+              </a:rPr>
+              <a:t>そうご</a:t>
+            </a:r>
+            <a:endParaRPr lang="en-US" sz="4800" dirty="0"/>
+          </a:p>
+        </p:txBody>
+      </p:sp>
+      <p:sp>
+        <p:nvSpPr>
+          <p:cNvPr id="3" name="Text 1"/>
+          <p:cNvSpPr/>
+          <p:nvPr/>
+        </p:nvSpPr>
+        <p:spPr>
+          <a:xfrm>
+            <a:off x="0" y="2743200"/>
+            <a:ext cx="9144000" cy="1828800"/>
+          </a:xfrm>
+          <a:prstGeom prst="rect">
+            <a:avLst/>
+          </a:prstGeom>
+          <a:noFill/>
+          <a:ln/>
+        </p:spPr>
+        <p:txBody>
+          <a:bodyPr wrap="square" rtlCol="0" anchor="ctr"/>
+          <a:lstStyle/>
+          <a:p>
+            <a:pPr algn="ctr" indent="0" marL="0">
+              <a:buNone/>
+            </a:pPr>
+            <a:r>
+              <a:rPr lang="en-US" sz="3600" dirty="0">
+                <a:solidFill>
+                  <a:srgbClr val="000000"/>
+                </a:solidFill>
+              </a:rPr>
+              <a:t>mutual, reciprocal...</a:t>
+            </a:r>
+            <a:endParaRPr lang="en-US" sz="3600" dirty="0"/>
+          </a:p>
+        </p:txBody>
+      </p:sp>
+      <p:sp>
+        <p:nvSpPr>
+          <p:cNvPr id="4" name="Text 2"/>
+          <p:cNvSpPr/>
+          <p:nvPr/>
+        </p:nvSpPr>
+        <p:spPr>
+          <a:xfrm>
+            <a:off x="0" y="4572000"/>
+            <a:ext cx="7315200" cy="1828800"/>
+          </a:xfrm>
+          <a:prstGeom prst="rect">
+            <a:avLst/>
+          </a:prstGeom>
+          <a:noFill/>
+          <a:ln/>
+        </p:spPr>
+        <p:txBody>
+          <a:bodyPr wrap="square" rtlCol="0" anchor="ctr"/>
+          <a:lstStyle/>
+          <a:p>
+            <a:pPr algn="l" indent="0" marL="0">
+              <a:buNone/>
+            </a:pPr>
+            <a:r>
+              <a:rPr lang="en-US" sz="2400" dirty="0">
+                <a:solidFill>
+                  <a:srgbClr val="000000"/>
+                </a:solidFill>
+              </a:rPr>
+              <a:t>63-64</a:t>
+            </a:r>
+            <a:endParaRPr lang="en-US" sz="2400" dirty="0"/>
+          </a:p>
+        </p:txBody>
+      </p:sp>
+    </p:spTree>
+  </p:cSld>
+  <p:clrMapOvr>
+    <a:masterClrMapping/>
+  </p:clrMapOvr>
+</p:sld>
+</file>
+
+<file path=ppt/slides/slide9.xml><?xml version="1.0" encoding="utf-8"?>
+<p:sld xmlns:a="http://schemas.openxmlformats.org/drawingml/2006/main" xmlns:r="http://schemas.openxmlformats.org/officeDocument/2006/relationships" xmlns:p="http://schemas.openxmlformats.org/presentationml/2006/main">
+  <p:cSld name="Slide 9">
+    <p:spTree>
+      <p:nvGrpSpPr>
+        <p:cNvPr id="1" name=""/>
+        <p:cNvGrpSpPr/>
+        <p:nvPr/>
+      </p:nvGrpSpPr>
+      <p:grpSpPr>
+        <a:xfrm>
+          <a:off x="0" y="0"/>
+          <a:ext cx="0" cy="0"/>
+          <a:chOff x="0" y="0"/>
+          <a:chExt cx="0" cy="0"/>
+        </a:xfrm>
+      </p:grpSpPr>
+      <p:sp>
+        <p:nvSpPr>
+          <p:cNvPr id="2" name="Text 0"/>
+          <p:cNvSpPr/>
+          <p:nvPr/>
+        </p:nvSpPr>
+        <p:spPr>
+          <a:xfrm>
+            <a:off x="0" y="914400"/>
+            <a:ext cx="9144000" cy="1828800"/>
+          </a:xfrm>
+          <a:prstGeom prst="rect">
+            <a:avLst/>
+          </a:prstGeom>
+          <a:noFill/>
+          <a:ln/>
+        </p:spPr>
+        <p:txBody>
+          <a:bodyPr wrap="square" rtlCol="0" anchor="ctr"/>
+          <a:lstStyle/>
+          <a:p>
+            <a:pPr algn="ctr" indent="0" marL="0">
+              <a:buNone/>
+            </a:pPr>
+            <a:r>
+              <a:rPr lang="en-US" sz="4800" dirty="0">
+                <a:solidFill>
+                  <a:srgbClr val="000000"/>
+                </a:solidFill>
+              </a:rPr>
+              <a:t>伸びる</a:t>
+            </a:r>
+            <a:endParaRPr lang="en-US" sz="4800" dirty="0"/>
+          </a:p>
+          <a:p>
+            <a:pPr algn="ctr" indent="0" marL="0">
+              <a:buNone/>
+            </a:pPr>
+            <a:r>
+              <a:rPr lang="en-US" sz="4800" dirty="0">
+                <a:solidFill>
+                  <a:srgbClr val="000000"/>
+                </a:solidFill>
+              </a:rPr>
+              <a:t>のびる</a:t>
+            </a:r>
+            <a:endParaRPr lang="en-US" sz="4800" dirty="0"/>
+          </a:p>
+        </p:txBody>
+      </p:sp>
+      <p:sp>
+        <p:nvSpPr>
+          <p:cNvPr id="3" name="Text 1"/>
+          <p:cNvSpPr/>
+          <p:nvPr/>
+        </p:nvSpPr>
+        <p:spPr>
+          <a:xfrm>
+            <a:off x="0" y="2743200"/>
+            <a:ext cx="9144000" cy="1828800"/>
+          </a:xfrm>
+          <a:prstGeom prst="rect">
+            <a:avLst/>
+          </a:prstGeom>
+          <a:noFill/>
+          <a:ln/>
+        </p:spPr>
+        <p:txBody>
+          <a:bodyPr wrap="square" rtlCol="0" anchor="ctr"/>
+          <a:lstStyle/>
+          <a:p>
+            <a:pPr algn="ctr" indent="0" marL="0">
+              <a:buNone/>
+            </a:pPr>
+            <a:r>
+              <a:rPr lang="en-US" sz="3600" dirty="0">
+                <a:solidFill>
+                  <a:srgbClr val="000000"/>
+                </a:solidFill>
+              </a:rPr>
+              <a:t>to stretch, to extend, to lengthen, to grow (of hair, height, grass, etc.) | to straighten out, to be flattened, to becom...</a:t>
             </a:r>
             <a:endParaRPr lang="en-US" sz="3600" dirty="0"/>
           </a:p>
